--- a/Презентация.pptx
+++ b/Презентация.pptx
@@ -5,7 +5,7 @@
     <p:sldMasterId id="2147483648" r:id="rId1"/>
   </p:sldMasterIdLst>
   <p:notesMasterIdLst>
-    <p:notesMasterId r:id="rId8"/>
+    <p:notesMasterId r:id="rId11"/>
   </p:notesMasterIdLst>
   <p:sldIdLst>
     <p:sldId id="256" r:id="rId2"/>
@@ -13,7 +13,10 @@
     <p:sldId id="259" r:id="rId4"/>
     <p:sldId id="260" r:id="rId5"/>
     <p:sldId id="261" r:id="rId6"/>
-    <p:sldId id="262" r:id="rId7"/>
+    <p:sldId id="264" r:id="rId7"/>
+    <p:sldId id="262" r:id="rId8"/>
+    <p:sldId id="263" r:id="rId9"/>
+    <p:sldId id="265" r:id="rId10"/>
   </p:sldIdLst>
   <p:sldSz cx="12192000" cy="6858000"/>
   <p:notesSz cx="6858000" cy="9144000"/>
@@ -112,6 +115,11 @@
       </a:defRPr>
     </a:lvl9pPr>
   </p:defaultTextStyle>
+  <p:extLst>
+    <p:ext uri="{EFAFB233-063F-42B5-8137-9DF3F51BA10A}">
+      <p15:sldGuideLst xmlns:p15="http://schemas.microsoft.com/office/powerpoint/2012/main"/>
+    </p:ext>
+  </p:extLst>
 </p:presentation>
 </file>
 
@@ -197,7 +205,7 @@
           <a:p>
             <a:fld id="{3E326A55-344A-4B82-BE7A-A9B60CCD41BA}" type="datetimeFigureOut">
               <a:rPr lang="ru-RU" smtClean="0"/>
-              <a:t>24.10.2021</a:t>
+              <a:t>26.10.2021</a:t>
             </a:fld>
             <a:endParaRPr lang="ru-RU"/>
           </a:p>
@@ -680,7 +688,7 @@
           <a:p>
             <a:fld id="{1EB21EFF-123C-4904-92A3-E501F5CB3C62}" type="datetimeFigureOut">
               <a:rPr lang="ru-RU" smtClean="0"/>
-              <a:t>24.10.2021</a:t>
+              <a:t>26.10.2021</a:t>
             </a:fld>
             <a:endParaRPr lang="ru-RU"/>
           </a:p>
@@ -850,7 +858,7 @@
           <a:p>
             <a:fld id="{1EB21EFF-123C-4904-92A3-E501F5CB3C62}" type="datetimeFigureOut">
               <a:rPr lang="ru-RU" smtClean="0"/>
-              <a:t>24.10.2021</a:t>
+              <a:t>26.10.2021</a:t>
             </a:fld>
             <a:endParaRPr lang="ru-RU"/>
           </a:p>
@@ -1030,7 +1038,7 @@
           <a:p>
             <a:fld id="{1EB21EFF-123C-4904-92A3-E501F5CB3C62}" type="datetimeFigureOut">
               <a:rPr lang="ru-RU" smtClean="0"/>
-              <a:t>24.10.2021</a:t>
+              <a:t>26.10.2021</a:t>
             </a:fld>
             <a:endParaRPr lang="ru-RU"/>
           </a:p>
@@ -2601,7 +2609,7 @@
           <a:p>
             <a:fld id="{1EB21EFF-123C-4904-92A3-E501F5CB3C62}" type="datetimeFigureOut">
               <a:rPr lang="ru-RU" smtClean="0"/>
-              <a:t>24.10.2021</a:t>
+              <a:t>26.10.2021</a:t>
             </a:fld>
             <a:endParaRPr lang="ru-RU"/>
           </a:p>
@@ -2847,7 +2855,7 @@
           <a:p>
             <a:fld id="{1EB21EFF-123C-4904-92A3-E501F5CB3C62}" type="datetimeFigureOut">
               <a:rPr lang="ru-RU" smtClean="0"/>
-              <a:t>24.10.2021</a:t>
+              <a:t>26.10.2021</a:t>
             </a:fld>
             <a:endParaRPr lang="ru-RU"/>
           </a:p>
@@ -3079,7 +3087,7 @@
           <a:p>
             <a:fld id="{1EB21EFF-123C-4904-92A3-E501F5CB3C62}" type="datetimeFigureOut">
               <a:rPr lang="ru-RU" smtClean="0"/>
-              <a:t>24.10.2021</a:t>
+              <a:t>26.10.2021</a:t>
             </a:fld>
             <a:endParaRPr lang="ru-RU"/>
           </a:p>
@@ -3446,7 +3454,7 @@
           <a:p>
             <a:fld id="{1EB21EFF-123C-4904-92A3-E501F5CB3C62}" type="datetimeFigureOut">
               <a:rPr lang="ru-RU" smtClean="0"/>
-              <a:t>24.10.2021</a:t>
+              <a:t>26.10.2021</a:t>
             </a:fld>
             <a:endParaRPr lang="ru-RU"/>
           </a:p>
@@ -3564,7 +3572,7 @@
           <a:p>
             <a:fld id="{1EB21EFF-123C-4904-92A3-E501F5CB3C62}" type="datetimeFigureOut">
               <a:rPr lang="ru-RU" smtClean="0"/>
-              <a:t>24.10.2021</a:t>
+              <a:t>26.10.2021</a:t>
             </a:fld>
             <a:endParaRPr lang="ru-RU"/>
           </a:p>
@@ -3659,7 +3667,7 @@
           <a:p>
             <a:fld id="{1EB21EFF-123C-4904-92A3-E501F5CB3C62}" type="datetimeFigureOut">
               <a:rPr lang="ru-RU" smtClean="0"/>
-              <a:t>24.10.2021</a:t>
+              <a:t>26.10.2021</a:t>
             </a:fld>
             <a:endParaRPr lang="ru-RU"/>
           </a:p>
@@ -3936,7 +3944,7 @@
           <a:p>
             <a:fld id="{1EB21EFF-123C-4904-92A3-E501F5CB3C62}" type="datetimeFigureOut">
               <a:rPr lang="ru-RU" smtClean="0"/>
-              <a:t>24.10.2021</a:t>
+              <a:t>26.10.2021</a:t>
             </a:fld>
             <a:endParaRPr lang="ru-RU"/>
           </a:p>
@@ -4189,7 +4197,7 @@
           <a:p>
             <a:fld id="{1EB21EFF-123C-4904-92A3-E501F5CB3C62}" type="datetimeFigureOut">
               <a:rPr lang="ru-RU" smtClean="0"/>
-              <a:t>24.10.2021</a:t>
+              <a:t>26.10.2021</a:t>
             </a:fld>
             <a:endParaRPr lang="ru-RU"/>
           </a:p>
@@ -4402,7 +4410,7 @@
           <a:p>
             <a:fld id="{1EB21EFF-123C-4904-92A3-E501F5CB3C62}" type="datetimeFigureOut">
               <a:rPr lang="ru-RU" smtClean="0"/>
-              <a:t>24.10.2021</a:t>
+              <a:t>26.10.2021</a:t>
             </a:fld>
             <a:endParaRPr lang="ru-RU"/>
           </a:p>
@@ -5428,8 +5436,8 @@
           </a:p>
         </p:txBody>
       </p:sp>
-      <mc:AlternateContent xmlns:mc="http://schemas.openxmlformats.org/markup-compatibility/2006">
-        <mc:Choice xmlns:a14="http://schemas.microsoft.com/office/drawing/2010/main" Requires="a14">
+      <mc:AlternateContent xmlns:mc="http://schemas.openxmlformats.org/markup-compatibility/2006" xmlns:a14="http://schemas.microsoft.com/office/drawing/2010/main">
+        <mc:Choice Requires="a14">
           <p:sp>
             <p:nvSpPr>
               <p:cNvPr id="3" name="Текст 2"/>
@@ -5484,18 +5492,24 @@
                       <m:sSub>
                         <m:sSubPr>
                           <m:ctrlPr>
-                            <a:rPr lang="ru-RU" i="1"/>
+                            <a:rPr lang="ru-RU" i="1">
+                              <a:latin typeface="Cambria Math" panose="02040503050406030204" pitchFamily="18" charset="0"/>
+                            </a:rPr>
                           </m:ctrlPr>
                         </m:sSubPr>
                         <m:e>
                           <m:r>
-                            <a:rPr lang="ru-RU" i="1"/>
+                            <a:rPr lang="ru-RU" i="1">
+                              <a:latin typeface="Cambria Math" panose="02040503050406030204" pitchFamily="18" charset="0"/>
+                            </a:rPr>
                             <m:t>𝐻</m:t>
                           </m:r>
                         </m:e>
                         <m:sub>
                           <m:r>
-                            <a:rPr lang="ru-RU" i="1"/>
+                            <a:rPr lang="ru-RU" i="1">
+                              <a:latin typeface="Cambria Math" panose="02040503050406030204" pitchFamily="18" charset="0"/>
+                            </a:rPr>
                             <m:t>0</m:t>
                           </m:r>
                         </m:sub>
@@ -5503,18 +5517,24 @@
                       <m:d>
                         <m:dPr>
                           <m:ctrlPr>
-                            <a:rPr lang="ru-RU" i="1" smtClean="0"/>
+                            <a:rPr lang="ru-RU" i="1" smtClean="0">
+                              <a:latin typeface="Cambria Math" panose="02040503050406030204" pitchFamily="18" charset="0"/>
+                            </a:rPr>
                           </m:ctrlPr>
                         </m:dPr>
                         <m:e>
                           <m:r>
-                            <a:rPr lang="ru-RU" i="1"/>
+                            <a:rPr lang="ru-RU" i="1">
+                              <a:latin typeface="Cambria Math" panose="02040503050406030204" pitchFamily="18" charset="0"/>
+                            </a:rPr>
                             <m:t>𝑋</m:t>
                           </m:r>
                         </m:e>
                       </m:d>
                       <m:r>
-                        <a:rPr lang="ru-RU" i="1"/>
+                        <a:rPr lang="ru-RU" i="1">
+                          <a:latin typeface="Cambria Math" panose="02040503050406030204" pitchFamily="18" charset="0"/>
+                        </a:rPr>
                         <m:t>= −</m:t>
                       </m:r>
                       <m:nary>
@@ -5523,38 +5543,52 @@
                           <m:limLoc m:val="undOvr"/>
                           <m:supHide m:val="on"/>
                           <m:ctrlPr>
-                            <a:rPr lang="ru-RU" i="1" smtClean="0"/>
+                            <a:rPr lang="ru-RU" i="1" smtClean="0">
+                              <a:latin typeface="Cambria Math" panose="02040503050406030204" pitchFamily="18" charset="0"/>
+                            </a:rPr>
                           </m:ctrlPr>
                         </m:naryPr>
                         <m:sub>
                           <m:r>
-                            <a:rPr lang="ru-RU" i="1"/>
+                            <a:rPr lang="ru-RU" i="1">
+                              <a:latin typeface="Cambria Math" panose="02040503050406030204" pitchFamily="18" charset="0"/>
+                            </a:rPr>
                             <m:t>𝑥</m:t>
                           </m:r>
                           <m:r>
-                            <a:rPr lang="ru-RU" i="1"/>
+                            <a:rPr lang="ru-RU" i="1">
+                              <a:latin typeface="Cambria Math" panose="02040503050406030204" pitchFamily="18" charset="0"/>
+                            </a:rPr>
                             <m:t>∈</m:t>
                           </m:r>
                           <m:r>
-                            <a:rPr lang="ru-RU" i="1"/>
+                            <a:rPr lang="ru-RU" i="1">
+                              <a:latin typeface="Cambria Math" panose="02040503050406030204" pitchFamily="18" charset="0"/>
+                            </a:rPr>
                             <m:t>𝑋</m:t>
                           </m:r>
                         </m:sub>
                         <m:sup/>
                         <m:e>
                           <m:r>
-                            <a:rPr lang="ru-RU" i="1"/>
+                            <a:rPr lang="ru-RU" i="1">
+                              <a:latin typeface="Cambria Math" panose="02040503050406030204" pitchFamily="18" charset="0"/>
+                            </a:rPr>
                             <m:t>𝑝</m:t>
                           </m:r>
                           <m:d>
                             <m:dPr>
                               <m:ctrlPr>
-                                <a:rPr lang="ru-RU" i="1"/>
+                                <a:rPr lang="ru-RU" i="1">
+                                  <a:latin typeface="Cambria Math" panose="02040503050406030204" pitchFamily="18" charset="0"/>
+                                </a:rPr>
                               </m:ctrlPr>
                             </m:dPr>
                             <m:e>
                               <m:r>
-                                <a:rPr lang="ru-RU" i="1"/>
+                                <a:rPr lang="ru-RU" i="1">
+                                  <a:latin typeface="Cambria Math" panose="02040503050406030204" pitchFamily="18" charset="0"/>
+                                </a:rPr>
                                 <m:t>𝑥</m:t>
                               </m:r>
                             </m:e>
@@ -5563,32 +5597,44 @@
                             <m:rPr>
                               <m:sty m:val="p"/>
                             </m:rPr>
-                            <a:rPr lang="ru-RU"/>
+                            <a:rPr lang="ru-RU">
+                              <a:latin typeface="Cambria Math" panose="02040503050406030204" pitchFamily="18" charset="0"/>
+                            </a:rPr>
                             <m:t>ln</m:t>
                           </m:r>
                           <m:r>
-                            <a:rPr lang="ru-RU" i="1"/>
+                            <a:rPr lang="ru-RU" i="1">
+                              <a:latin typeface="Cambria Math" panose="02040503050406030204" pitchFamily="18" charset="0"/>
+                            </a:rPr>
                             <m:t>(</m:t>
                           </m:r>
                           <m:r>
-                            <a:rPr lang="ru-RU" i="1"/>
+                            <a:rPr lang="ru-RU" i="1">
+                              <a:latin typeface="Cambria Math" panose="02040503050406030204" pitchFamily="18" charset="0"/>
+                            </a:rPr>
                             <m:t>𝑝</m:t>
                           </m:r>
                           <m:d>
                             <m:dPr>
                               <m:ctrlPr>
-                                <a:rPr lang="ru-RU" i="1"/>
+                                <a:rPr lang="ru-RU" i="1">
+                                  <a:latin typeface="Cambria Math" panose="02040503050406030204" pitchFamily="18" charset="0"/>
+                                </a:rPr>
                               </m:ctrlPr>
                             </m:dPr>
                             <m:e>
                               <m:r>
-                                <a:rPr lang="ru-RU" i="1"/>
+                                <a:rPr lang="ru-RU" i="1">
+                                  <a:latin typeface="Cambria Math" panose="02040503050406030204" pitchFamily="18" charset="0"/>
+                                </a:rPr>
                                 <m:t>𝑥</m:t>
                               </m:r>
                             </m:e>
                           </m:d>
                           <m:r>
-                            <a:rPr lang="ru-RU" i="1"/>
+                            <a:rPr lang="ru-RU" i="1">
+                              <a:latin typeface="Cambria Math" panose="02040503050406030204" pitchFamily="18" charset="0"/>
+                            </a:rPr>
                             <m:t>)</m:t>
                           </m:r>
                         </m:e>
@@ -5616,18 +5662,24 @@
                       <m:sSub>
                         <m:sSubPr>
                           <m:ctrlPr>
-                            <a:rPr lang="ru-RU" i="1"/>
+                            <a:rPr lang="ru-RU" i="1">
+                              <a:latin typeface="Cambria Math" panose="02040503050406030204" pitchFamily="18" charset="0"/>
+                            </a:rPr>
                           </m:ctrlPr>
                         </m:sSubPr>
                         <m:e>
                           <m:r>
-                            <a:rPr lang="ru-RU" i="1"/>
+                            <a:rPr lang="ru-RU" i="1">
+                              <a:latin typeface="Cambria Math" panose="02040503050406030204" pitchFamily="18" charset="0"/>
+                            </a:rPr>
                             <m:t>𝐻</m:t>
                           </m:r>
                         </m:e>
                         <m:sub>
                           <m:r>
-                            <a:rPr lang="ru-RU" i="1"/>
+                            <a:rPr lang="ru-RU" i="1">
+                              <a:latin typeface="Cambria Math" panose="02040503050406030204" pitchFamily="18" charset="0"/>
+                            </a:rPr>
                             <m:t>1</m:t>
                           </m:r>
                         </m:sub>
@@ -5635,18 +5687,24 @@
                       <m:d>
                         <m:dPr>
                           <m:ctrlPr>
-                            <a:rPr lang="ru-RU" i="1"/>
+                            <a:rPr lang="ru-RU" i="1">
+                              <a:latin typeface="Cambria Math" panose="02040503050406030204" pitchFamily="18" charset="0"/>
+                            </a:rPr>
                           </m:ctrlPr>
                         </m:dPr>
                         <m:e>
                           <m:r>
-                            <a:rPr lang="ru-RU" i="1"/>
+                            <a:rPr lang="ru-RU" i="1">
+                              <a:latin typeface="Cambria Math" panose="02040503050406030204" pitchFamily="18" charset="0"/>
+                            </a:rPr>
                             <m:t>𝑋</m:t>
                           </m:r>
                         </m:e>
                       </m:d>
                       <m:r>
-                        <a:rPr lang="ru-RU" i="1"/>
+                        <a:rPr lang="ru-RU" i="1">
+                          <a:latin typeface="Cambria Math" panose="02040503050406030204" pitchFamily="18" charset="0"/>
+                        </a:rPr>
                         <m:t>= </m:t>
                       </m:r>
                       <m:nary>
@@ -5654,22 +5712,30 @@
                           <m:chr m:val="∑"/>
                           <m:limLoc m:val="undOvr"/>
                           <m:ctrlPr>
-                            <a:rPr lang="ru-RU" i="1"/>
+                            <a:rPr lang="ru-RU" i="1">
+                              <a:latin typeface="Cambria Math" panose="02040503050406030204" pitchFamily="18" charset="0"/>
+                            </a:rPr>
                           </m:ctrlPr>
                         </m:naryPr>
                         <m:sub>
                           <m:r>
-                            <a:rPr lang="ru-RU" i="1"/>
+                            <a:rPr lang="ru-RU" i="1">
+                              <a:latin typeface="Cambria Math" panose="02040503050406030204" pitchFamily="18" charset="0"/>
+                            </a:rPr>
                             <m:t>𝑖</m:t>
                           </m:r>
                           <m:r>
-                            <a:rPr lang="ru-RU" i="1"/>
+                            <a:rPr lang="ru-RU" i="1">
+                              <a:latin typeface="Cambria Math" panose="02040503050406030204" pitchFamily="18" charset="0"/>
+                            </a:rPr>
                             <m:t>=1</m:t>
                           </m:r>
                         </m:sub>
                         <m:sup>
                           <m:r>
-                            <a:rPr lang="ru-RU" i="1"/>
+                            <a:rPr lang="ru-RU" i="1">
+                              <a:latin typeface="Cambria Math" panose="02040503050406030204" pitchFamily="18" charset="0"/>
+                            </a:rPr>
                             <m:t>𝑘</m:t>
                           </m:r>
                         </m:sup>
@@ -5677,7 +5743,9 @@
                           <m:f>
                             <m:fPr>
                               <m:ctrlPr>
-                                <a:rPr lang="ru-RU" i="1"/>
+                                <a:rPr lang="ru-RU" i="1">
+                                  <a:latin typeface="Cambria Math" panose="02040503050406030204" pitchFamily="18" charset="0"/>
+                                </a:rPr>
                               </m:ctrlPr>
                             </m:fPr>
                             <m:num>
@@ -5686,25 +5754,33 @@
                                   <m:begChr m:val="|"/>
                                   <m:endChr m:val="|"/>
                                   <m:ctrlPr>
-                                    <a:rPr lang="ru-RU" i="1"/>
+                                    <a:rPr lang="ru-RU" i="1">
+                                      <a:latin typeface="Cambria Math" panose="02040503050406030204" pitchFamily="18" charset="0"/>
+                                    </a:rPr>
                                   </m:ctrlPr>
                                 </m:dPr>
                                 <m:e>
                                   <m:sSub>
                                     <m:sSubPr>
                                       <m:ctrlPr>
-                                        <a:rPr lang="ru-RU" i="1"/>
+                                        <a:rPr lang="ru-RU" i="1">
+                                          <a:latin typeface="Cambria Math" panose="02040503050406030204" pitchFamily="18" charset="0"/>
+                                        </a:rPr>
                                       </m:ctrlPr>
                                     </m:sSubPr>
                                     <m:e>
                                       <m:r>
-                                        <a:rPr lang="ru-RU" i="1"/>
+                                        <a:rPr lang="ru-RU" i="1">
+                                          <a:latin typeface="Cambria Math" panose="02040503050406030204" pitchFamily="18" charset="0"/>
+                                        </a:rPr>
                                         <m:t>𝑋</m:t>
                                       </m:r>
                                     </m:e>
                                     <m:sub>
                                       <m:r>
-                                        <a:rPr lang="ru-RU" i="1"/>
+                                        <a:rPr lang="ru-RU" i="1">
+                                          <a:latin typeface="Cambria Math" panose="02040503050406030204" pitchFamily="18" charset="0"/>
+                                        </a:rPr>
                                         <m:t>𝑖</m:t>
                                       </m:r>
                                     </m:sub>
@@ -5718,12 +5794,16 @@
                                   <m:begChr m:val="|"/>
                                   <m:endChr m:val="|"/>
                                   <m:ctrlPr>
-                                    <a:rPr lang="ru-RU" i="1"/>
+                                    <a:rPr lang="ru-RU" i="1">
+                                      <a:latin typeface="Cambria Math" panose="02040503050406030204" pitchFamily="18" charset="0"/>
+                                    </a:rPr>
                                   </m:ctrlPr>
                                 </m:dPr>
                                 <m:e>
                                   <m:r>
-                                    <a:rPr lang="ru-RU" i="1"/>
+                                    <a:rPr lang="ru-RU" i="1">
+                                      <a:latin typeface="Cambria Math" panose="02040503050406030204" pitchFamily="18" charset="0"/>
+                                    </a:rPr>
                                     <m:t>𝑋</m:t>
                                   </m:r>
                                 </m:e>
@@ -5731,31 +5811,41 @@
                             </m:den>
                           </m:f>
                           <m:r>
-                            <a:rPr lang="ru-RU" i="1"/>
+                            <a:rPr lang="ru-RU" i="1">
+                              <a:latin typeface="Cambria Math" panose="02040503050406030204" pitchFamily="18" charset="0"/>
+                            </a:rPr>
                             <m:t>𝐻</m:t>
                           </m:r>
                           <m:d>
                             <m:dPr>
                               <m:ctrlPr>
-                                <a:rPr lang="ru-RU" i="1"/>
+                                <a:rPr lang="ru-RU" i="1">
+                                  <a:latin typeface="Cambria Math" panose="02040503050406030204" pitchFamily="18" charset="0"/>
+                                </a:rPr>
                               </m:ctrlPr>
                             </m:dPr>
                             <m:e>
                               <m:sSub>
                                 <m:sSubPr>
                                   <m:ctrlPr>
-                                    <a:rPr lang="ru-RU" i="1"/>
+                                    <a:rPr lang="ru-RU" i="1">
+                                      <a:latin typeface="Cambria Math" panose="02040503050406030204" pitchFamily="18" charset="0"/>
+                                    </a:rPr>
                                   </m:ctrlPr>
                                 </m:sSubPr>
                                 <m:e>
                                   <m:r>
-                                    <a:rPr lang="ru-RU" i="1"/>
+                                    <a:rPr lang="ru-RU" i="1">
+                                      <a:latin typeface="Cambria Math" panose="02040503050406030204" pitchFamily="18" charset="0"/>
+                                    </a:rPr>
                                     <m:t>𝑋</m:t>
                                   </m:r>
                                 </m:e>
                                 <m:sub>
                                   <m:r>
-                                    <a:rPr lang="ru-RU" i="1"/>
+                                    <a:rPr lang="ru-RU" i="1">
+                                      <a:latin typeface="Cambria Math" panose="02040503050406030204" pitchFamily="18" charset="0"/>
+                                    </a:rPr>
                                     <m:t>𝑖</m:t>
                                   </m:r>
                                 </m:sub>
@@ -5785,28 +5875,38 @@
                     </m:oMathParaPr>
                     <m:oMath xmlns:m="http://schemas.openxmlformats.org/officeDocument/2006/math">
                       <m:r>
-                        <a:rPr lang="ru-RU" i="1"/>
+                        <a:rPr lang="ru-RU" i="1">
+                          <a:latin typeface="Cambria Math" panose="02040503050406030204" pitchFamily="18" charset="0"/>
+                        </a:rPr>
                         <m:t>𝐼𝐺</m:t>
                       </m:r>
                       <m:r>
-                        <a:rPr lang="ru-RU" i="1"/>
+                        <a:rPr lang="ru-RU" i="1">
+                          <a:latin typeface="Cambria Math" panose="02040503050406030204" pitchFamily="18" charset="0"/>
+                        </a:rPr>
                         <m:t>=</m:t>
                       </m:r>
                       <m:sSub>
                         <m:sSubPr>
                           <m:ctrlPr>
-                            <a:rPr lang="ru-RU" i="1"/>
+                            <a:rPr lang="ru-RU" i="1">
+                              <a:latin typeface="Cambria Math" panose="02040503050406030204" pitchFamily="18" charset="0"/>
+                            </a:rPr>
                           </m:ctrlPr>
                         </m:sSubPr>
                         <m:e>
                           <m:r>
-                            <a:rPr lang="ru-RU" i="1"/>
+                            <a:rPr lang="ru-RU" i="1">
+                              <a:latin typeface="Cambria Math" panose="02040503050406030204" pitchFamily="18" charset="0"/>
+                            </a:rPr>
                             <m:t>𝐻</m:t>
                           </m:r>
                         </m:e>
                         <m:sub>
                           <m:r>
-                            <a:rPr lang="ru-RU" i="1"/>
+                            <a:rPr lang="ru-RU" i="1">
+                              <a:latin typeface="Cambria Math" panose="02040503050406030204" pitchFamily="18" charset="0"/>
+                            </a:rPr>
                             <m:t>0</m:t>
                           </m:r>
                         </m:sub>
@@ -5814,35 +5914,47 @@
                       <m:d>
                         <m:dPr>
                           <m:ctrlPr>
-                            <a:rPr lang="ru-RU" i="1"/>
+                            <a:rPr lang="ru-RU" i="1">
+                              <a:latin typeface="Cambria Math" panose="02040503050406030204" pitchFamily="18" charset="0"/>
+                            </a:rPr>
                           </m:ctrlPr>
                         </m:dPr>
                         <m:e>
                           <m:r>
-                            <a:rPr lang="ru-RU" i="1"/>
+                            <a:rPr lang="ru-RU" i="1">
+                              <a:latin typeface="Cambria Math" panose="02040503050406030204" pitchFamily="18" charset="0"/>
+                            </a:rPr>
                             <m:t>𝑋</m:t>
                           </m:r>
                         </m:e>
                       </m:d>
                       <m:r>
-                        <a:rPr lang="ru-RU" i="1"/>
+                        <a:rPr lang="ru-RU" i="1">
+                          <a:latin typeface="Cambria Math" panose="02040503050406030204" pitchFamily="18" charset="0"/>
+                        </a:rPr>
                         <m:t>− </m:t>
                       </m:r>
                       <m:sSub>
                         <m:sSubPr>
                           <m:ctrlPr>
-                            <a:rPr lang="ru-RU" i="1"/>
+                            <a:rPr lang="ru-RU" i="1">
+                              <a:latin typeface="Cambria Math" panose="02040503050406030204" pitchFamily="18" charset="0"/>
+                            </a:rPr>
                           </m:ctrlPr>
                         </m:sSubPr>
                         <m:e>
                           <m:r>
-                            <a:rPr lang="ru-RU" i="1"/>
+                            <a:rPr lang="ru-RU" i="1">
+                              <a:latin typeface="Cambria Math" panose="02040503050406030204" pitchFamily="18" charset="0"/>
+                            </a:rPr>
                             <m:t>𝐻</m:t>
                           </m:r>
                         </m:e>
                         <m:sub>
                           <m:r>
-                            <a:rPr lang="ru-RU" i="1"/>
+                            <a:rPr lang="ru-RU" i="1">
+                              <a:latin typeface="Cambria Math" panose="02040503050406030204" pitchFamily="18" charset="0"/>
+                            </a:rPr>
                             <m:t>1</m:t>
                           </m:r>
                         </m:sub>
@@ -5850,12 +5962,16 @@
                       <m:d>
                         <m:dPr>
                           <m:ctrlPr>
-                            <a:rPr lang="ru-RU" i="1"/>
+                            <a:rPr lang="ru-RU" i="1">
+                              <a:latin typeface="Cambria Math" panose="02040503050406030204" pitchFamily="18" charset="0"/>
+                            </a:rPr>
                           </m:ctrlPr>
                         </m:dPr>
                         <m:e>
                           <m:r>
-                            <a:rPr lang="ru-RU" i="1"/>
+                            <a:rPr lang="ru-RU" i="1">
+                              <a:latin typeface="Cambria Math" panose="02040503050406030204" pitchFamily="18" charset="0"/>
+                            </a:rPr>
                             <m:t>𝑋</m:t>
                           </m:r>
                         </m:e>
@@ -5871,7 +5987,7 @@
             </p:txBody>
           </p:sp>
         </mc:Choice>
-        <mc:Fallback>
+        <mc:Fallback xmlns="">
           <p:sp>
             <p:nvSpPr>
               <p:cNvPr id="3" name="Текст 2"/>
@@ -5909,8 +6025,8 @@
           </p:sp>
         </mc:Fallback>
       </mc:AlternateContent>
-      <mc:AlternateContent xmlns:mc="http://schemas.openxmlformats.org/markup-compatibility/2006">
-        <mc:Choice xmlns:a14="http://schemas.microsoft.com/office/drawing/2010/main" Requires="a14">
+      <mc:AlternateContent xmlns:mc="http://schemas.openxmlformats.org/markup-compatibility/2006" xmlns:a14="http://schemas.microsoft.com/office/drawing/2010/main">
+        <mc:Choice Requires="a14">
           <p:sp>
             <p:nvSpPr>
               <p:cNvPr id="5" name="Прямоугольник 4"/>
@@ -5940,6 +6056,7 @@
                 <a:endParaRPr lang="en-US" b="1" dirty="0" smtClean="0"/>
               </a:p>
               <a:p>
+                <a:pPr/>
                 <a14:m>
                   <m:oMathPara xmlns:m="http://schemas.openxmlformats.org/officeDocument/2006/math">
                     <m:oMathParaPr>
@@ -5949,18 +6066,24 @@
                       <m:sSub>
                         <m:sSubPr>
                           <m:ctrlPr>
-                            <a:rPr lang="ru-RU" i="1" smtClean="0"/>
+                            <a:rPr lang="ru-RU" i="1" smtClean="0">
+                              <a:latin typeface="Cambria Math" panose="02040503050406030204" pitchFamily="18" charset="0"/>
+                            </a:rPr>
                           </m:ctrlPr>
                         </m:sSubPr>
                         <m:e>
                           <m:r>
-                            <a:rPr lang="ru-RU" i="1"/>
+                            <a:rPr lang="ru-RU" i="1">
+                              <a:latin typeface="Cambria Math" panose="02040503050406030204" pitchFamily="18" charset="0"/>
+                            </a:rPr>
                             <m:t>𝑅</m:t>
                           </m:r>
                         </m:e>
                         <m:sub>
                           <m:r>
-                            <a:rPr lang="en-US" i="1"/>
+                            <a:rPr lang="en-US" i="1">
+                              <a:latin typeface="Cambria Math" panose="02040503050406030204" pitchFamily="18" charset="0"/>
+                            </a:rPr>
                             <m:t>𝑙</m:t>
                           </m:r>
                         </m:sub>
@@ -5968,37 +6091,51 @@
                       <m:d>
                         <m:dPr>
                           <m:ctrlPr>
-                            <a:rPr lang="ru-RU" i="1"/>
+                            <a:rPr lang="ru-RU" i="1">
+                              <a:latin typeface="Cambria Math" panose="02040503050406030204" pitchFamily="18" charset="0"/>
+                            </a:rPr>
                           </m:ctrlPr>
                         </m:dPr>
                         <m:e>
                           <m:r>
-                            <a:rPr lang="ru-RU" i="1"/>
+                            <a:rPr lang="ru-RU" i="1">
+                              <a:latin typeface="Cambria Math" panose="02040503050406030204" pitchFamily="18" charset="0"/>
+                            </a:rPr>
                             <m:t>𝑖</m:t>
                           </m:r>
                           <m:r>
-                            <a:rPr lang="ru-RU" i="1"/>
+                            <a:rPr lang="ru-RU" i="1">
+                              <a:latin typeface="Cambria Math" panose="02040503050406030204" pitchFamily="18" charset="0"/>
+                            </a:rPr>
                             <m:t>,</m:t>
                           </m:r>
                           <m:r>
-                            <a:rPr lang="ru-RU" i="1"/>
+                            <a:rPr lang="ru-RU" i="1">
+                              <a:latin typeface="Cambria Math" panose="02040503050406030204" pitchFamily="18" charset="0"/>
+                            </a:rPr>
                             <m:t>𝑗</m:t>
                           </m:r>
                         </m:e>
                       </m:d>
                       <m:r>
-                        <a:rPr lang="ru-RU" i="1"/>
+                        <a:rPr lang="ru-RU" i="1">
+                          <a:latin typeface="Cambria Math" panose="02040503050406030204" pitchFamily="18" charset="0"/>
+                        </a:rPr>
                         <m:t>=</m:t>
                       </m:r>
                       <m:f>
                         <m:fPr>
                           <m:ctrlPr>
-                            <a:rPr lang="ru-RU" i="1"/>
+                            <a:rPr lang="ru-RU" i="1">
+                              <a:latin typeface="Cambria Math" panose="02040503050406030204" pitchFamily="18" charset="0"/>
+                            </a:rPr>
                           </m:ctrlPr>
                         </m:fPr>
                         <m:num>
                           <m:r>
-                            <a:rPr lang="ru-RU" i="1"/>
+                            <a:rPr lang="ru-RU" i="1">
+                              <a:latin typeface="Cambria Math" panose="02040503050406030204" pitchFamily="18" charset="0"/>
+                            </a:rPr>
                             <m:t>1</m:t>
                           </m:r>
                         </m:num>
@@ -6006,18 +6143,24 @@
                           <m:sSub>
                             <m:sSubPr>
                               <m:ctrlPr>
-                                <a:rPr lang="ru-RU" i="1"/>
+                                <a:rPr lang="ru-RU" i="1">
+                                  <a:latin typeface="Cambria Math" panose="02040503050406030204" pitchFamily="18" charset="0"/>
+                                </a:rPr>
                               </m:ctrlPr>
                             </m:sSubPr>
                             <m:e>
                               <m:r>
-                                <a:rPr lang="en-US" i="1"/>
+                                <a:rPr lang="en-US" i="1">
+                                  <a:latin typeface="Cambria Math" panose="02040503050406030204" pitchFamily="18" charset="0"/>
+                                </a:rPr>
                                 <m:t>𝑁</m:t>
                               </m:r>
                             </m:e>
                             <m:sub>
                               <m:r>
-                                <a:rPr lang="en-US" i="1"/>
+                                <a:rPr lang="en-US" i="1">
+                                  <a:latin typeface="Cambria Math" panose="02040503050406030204" pitchFamily="18" charset="0"/>
+                                </a:rPr>
                                 <m:t>𝑙</m:t>
                               </m:r>
                             </m:sub>
@@ -6030,12 +6173,16 @@
                           <m:limLoc m:val="undOvr"/>
                           <m:supHide m:val="on"/>
                           <m:ctrlPr>
-                            <a:rPr lang="ru-RU" i="1"/>
+                            <a:rPr lang="ru-RU" i="1">
+                              <a:latin typeface="Cambria Math" panose="02040503050406030204" pitchFamily="18" charset="0"/>
+                            </a:rPr>
                           </m:ctrlPr>
                         </m:naryPr>
                         <m:sub>
                           <m:r>
-                            <a:rPr lang="ru-RU" i="1"/>
+                            <a:rPr lang="ru-RU" i="1">
+                              <a:latin typeface="Cambria Math" panose="02040503050406030204" pitchFamily="18" charset="0"/>
+                            </a:rPr>
                             <m:t>𝑘</m:t>
                           </m:r>
                         </m:sub>
@@ -6044,22 +6191,30 @@
                           <m:sSub>
                             <m:sSubPr>
                               <m:ctrlPr>
-                                <a:rPr lang="ru-RU" i="1"/>
+                                <a:rPr lang="ru-RU" i="1">
+                                  <a:latin typeface="Cambria Math" panose="02040503050406030204" pitchFamily="18" charset="0"/>
+                                </a:rPr>
                               </m:ctrlPr>
                             </m:sSubPr>
                             <m:e>
                               <m:r>
-                                <a:rPr lang="ru-RU" i="1"/>
+                                <a:rPr lang="ru-RU" i="1">
+                                  <a:latin typeface="Cambria Math" panose="02040503050406030204" pitchFamily="18" charset="0"/>
+                                </a:rPr>
                                 <m:t>(</m:t>
                               </m:r>
                               <m:r>
-                                <a:rPr lang="ru-RU" i="1"/>
+                                <a:rPr lang="ru-RU" i="1">
+                                  <a:latin typeface="Cambria Math" panose="02040503050406030204" pitchFamily="18" charset="0"/>
+                                </a:rPr>
                                 <m:t>𝑈</m:t>
                               </m:r>
                             </m:e>
                             <m:sub>
                               <m:r>
-                                <a:rPr lang="en-US" i="1"/>
+                                <a:rPr lang="en-US" i="1">
+                                  <a:latin typeface="Cambria Math" panose="02040503050406030204" pitchFamily="18" charset="0"/>
+                                </a:rPr>
                                 <m:t>𝑙</m:t>
                               </m:r>
                             </m:sub>
@@ -6067,32 +6222,44 @@
                           <m:d>
                             <m:dPr>
                               <m:ctrlPr>
-                                <a:rPr lang="ru-RU" i="1"/>
+                                <a:rPr lang="ru-RU" i="1">
+                                  <a:latin typeface="Cambria Math" panose="02040503050406030204" pitchFamily="18" charset="0"/>
+                                </a:rPr>
                               </m:ctrlPr>
                             </m:dPr>
                             <m:e>
                               <m:r>
-                                <a:rPr lang="ru-RU" i="1"/>
+                                <a:rPr lang="ru-RU" i="1">
+                                  <a:latin typeface="Cambria Math" panose="02040503050406030204" pitchFamily="18" charset="0"/>
+                                </a:rPr>
                                 <m:t>𝑘</m:t>
                               </m:r>
                               <m:r>
-                                <a:rPr lang="ru-RU" i="1"/>
+                                <a:rPr lang="ru-RU" i="1">
+                                  <a:latin typeface="Cambria Math" panose="02040503050406030204" pitchFamily="18" charset="0"/>
+                                </a:rPr>
                                 <m:t>,</m:t>
                               </m:r>
                               <m:r>
-                                <a:rPr lang="ru-RU" i="1"/>
+                                <a:rPr lang="ru-RU" i="1">
+                                  <a:latin typeface="Cambria Math" panose="02040503050406030204" pitchFamily="18" charset="0"/>
+                                </a:rPr>
                                 <m:t>𝑖</m:t>
                               </m:r>
                             </m:e>
                           </m:d>
                           <m:r>
-                            <a:rPr lang="ru-RU" i="1"/>
+                            <a:rPr lang="ru-RU" i="1">
+                              <a:latin typeface="Cambria Math" panose="02040503050406030204" pitchFamily="18" charset="0"/>
+                            </a:rPr>
                             <m:t>−</m:t>
                           </m:r>
                           <m:sSub>
                             <m:sSubPr>
                               <m:ctrlPr>
-                                <a:rPr lang="ru-RU" i="1"/>
+                                <a:rPr lang="ru-RU" i="1">
+                                  <a:latin typeface="Cambria Math" panose="02040503050406030204" pitchFamily="18" charset="0"/>
+                                </a:rPr>
                               </m:ctrlPr>
                             </m:sSubPr>
                             <m:e>
@@ -6100,12 +6267,16 @@
                                 <m:accPr>
                                   <m:chr m:val="̅"/>
                                   <m:ctrlPr>
-                                    <a:rPr lang="ru-RU" i="1"/>
+                                    <a:rPr lang="ru-RU" i="1">
+                                      <a:latin typeface="Cambria Math" panose="02040503050406030204" pitchFamily="18" charset="0"/>
+                                    </a:rPr>
                                   </m:ctrlPr>
                                 </m:accPr>
                                 <m:e>
                                   <m:r>
-                                    <a:rPr lang="ru-RU" i="1"/>
+                                    <a:rPr lang="ru-RU" i="1">
+                                      <a:latin typeface="Cambria Math" panose="02040503050406030204" pitchFamily="18" charset="0"/>
+                                    </a:rPr>
                                     <m:t>𝑥</m:t>
                                   </m:r>
                                 </m:e>
@@ -6113,7 +6284,9 @@
                             </m:e>
                             <m:sub>
                               <m:r>
-                                <a:rPr lang="en-US" i="1"/>
+                                <a:rPr lang="en-US" i="1">
+                                  <a:latin typeface="Cambria Math" panose="02040503050406030204" pitchFamily="18" charset="0"/>
+                                </a:rPr>
                                 <m:t>𝑙</m:t>
                               </m:r>
                             </m:sub>
@@ -6121,18 +6294,24 @@
                           <m:d>
                             <m:dPr>
                               <m:ctrlPr>
-                                <a:rPr lang="ru-RU" i="1"/>
+                                <a:rPr lang="ru-RU" i="1">
+                                  <a:latin typeface="Cambria Math" panose="02040503050406030204" pitchFamily="18" charset="0"/>
+                                </a:rPr>
                               </m:ctrlPr>
                             </m:dPr>
                             <m:e>
                               <m:r>
-                                <a:rPr lang="ru-RU" i="1"/>
+                                <a:rPr lang="ru-RU" i="1">
+                                  <a:latin typeface="Cambria Math" panose="02040503050406030204" pitchFamily="18" charset="0"/>
+                                </a:rPr>
                                 <m:t>𝑖</m:t>
                               </m:r>
                             </m:e>
                           </m:d>
                           <m:r>
-                            <a:rPr lang="ru-RU" i="1"/>
+                            <a:rPr lang="ru-RU" i="1">
+                              <a:latin typeface="Cambria Math" panose="02040503050406030204" pitchFamily="18" charset="0"/>
+                            </a:rPr>
                             <m:t>)</m:t>
                           </m:r>
                         </m:e>
@@ -6140,22 +6319,30 @@
                       <m:sSub>
                         <m:sSubPr>
                           <m:ctrlPr>
-                            <a:rPr lang="ru-RU" i="1"/>
+                            <a:rPr lang="ru-RU" i="1">
+                              <a:latin typeface="Cambria Math" panose="02040503050406030204" pitchFamily="18" charset="0"/>
+                            </a:rPr>
                           </m:ctrlPr>
                         </m:sSubPr>
                         <m:e>
                           <m:r>
-                            <a:rPr lang="ru-RU" i="1"/>
+                            <a:rPr lang="ru-RU" i="1">
+                              <a:latin typeface="Cambria Math" panose="02040503050406030204" pitchFamily="18" charset="0"/>
+                            </a:rPr>
                             <m:t>(</m:t>
                           </m:r>
                           <m:r>
-                            <a:rPr lang="ru-RU" i="1"/>
+                            <a:rPr lang="ru-RU" i="1">
+                              <a:latin typeface="Cambria Math" panose="02040503050406030204" pitchFamily="18" charset="0"/>
+                            </a:rPr>
                             <m:t>𝑈</m:t>
                           </m:r>
                         </m:e>
                         <m:sub>
                           <m:r>
-                            <a:rPr lang="en-US" i="1"/>
+                            <a:rPr lang="en-US" i="1">
+                              <a:latin typeface="Cambria Math" panose="02040503050406030204" pitchFamily="18" charset="0"/>
+                            </a:rPr>
                             <m:t>𝑙</m:t>
                           </m:r>
                         </m:sub>
@@ -6163,32 +6350,44 @@
                       <m:d>
                         <m:dPr>
                           <m:ctrlPr>
-                            <a:rPr lang="ru-RU" i="1"/>
+                            <a:rPr lang="ru-RU" i="1">
+                              <a:latin typeface="Cambria Math" panose="02040503050406030204" pitchFamily="18" charset="0"/>
+                            </a:rPr>
                           </m:ctrlPr>
                         </m:dPr>
                         <m:e>
                           <m:r>
-                            <a:rPr lang="ru-RU" i="1"/>
+                            <a:rPr lang="ru-RU" i="1">
+                              <a:latin typeface="Cambria Math" panose="02040503050406030204" pitchFamily="18" charset="0"/>
+                            </a:rPr>
                             <m:t>𝑘</m:t>
                           </m:r>
                           <m:r>
-                            <a:rPr lang="ru-RU" i="1"/>
+                            <a:rPr lang="ru-RU" i="1">
+                              <a:latin typeface="Cambria Math" panose="02040503050406030204" pitchFamily="18" charset="0"/>
+                            </a:rPr>
                             <m:t>,</m:t>
                           </m:r>
                           <m:r>
-                            <a:rPr lang="ru-RU" i="1"/>
+                            <a:rPr lang="ru-RU" i="1">
+                              <a:latin typeface="Cambria Math" panose="02040503050406030204" pitchFamily="18" charset="0"/>
+                            </a:rPr>
                             <m:t>𝑗</m:t>
                           </m:r>
                         </m:e>
                       </m:d>
                       <m:r>
-                        <a:rPr lang="ru-RU" i="1"/>
+                        <a:rPr lang="ru-RU" i="1">
+                          <a:latin typeface="Cambria Math" panose="02040503050406030204" pitchFamily="18" charset="0"/>
+                        </a:rPr>
                         <m:t>−</m:t>
                       </m:r>
                       <m:sSub>
                         <m:sSubPr>
                           <m:ctrlPr>
-                            <a:rPr lang="ru-RU" i="1"/>
+                            <a:rPr lang="ru-RU" i="1">
+                              <a:latin typeface="Cambria Math" panose="02040503050406030204" pitchFamily="18" charset="0"/>
+                            </a:rPr>
                           </m:ctrlPr>
                         </m:sSubPr>
                         <m:e>
@@ -6196,12 +6395,16 @@
                             <m:accPr>
                               <m:chr m:val="̅"/>
                               <m:ctrlPr>
-                                <a:rPr lang="ru-RU" i="1"/>
+                                <a:rPr lang="ru-RU" i="1">
+                                  <a:latin typeface="Cambria Math" panose="02040503050406030204" pitchFamily="18" charset="0"/>
+                                </a:rPr>
                               </m:ctrlPr>
                             </m:accPr>
                             <m:e>
                               <m:r>
-                                <a:rPr lang="ru-RU" i="1"/>
+                                <a:rPr lang="ru-RU" i="1">
+                                  <a:latin typeface="Cambria Math" panose="02040503050406030204" pitchFamily="18" charset="0"/>
+                                </a:rPr>
                                 <m:t>𝑥</m:t>
                               </m:r>
                             </m:e>
@@ -6209,7 +6412,9 @@
                         </m:e>
                         <m:sub>
                           <m:r>
-                            <a:rPr lang="en-US" i="1"/>
+                            <a:rPr lang="en-US" i="1">
+                              <a:latin typeface="Cambria Math" panose="02040503050406030204" pitchFamily="18" charset="0"/>
+                            </a:rPr>
                             <m:t>𝑙</m:t>
                           </m:r>
                         </m:sub>
@@ -6217,18 +6422,24 @@
                       <m:d>
                         <m:dPr>
                           <m:ctrlPr>
-                            <a:rPr lang="ru-RU" i="1"/>
+                            <a:rPr lang="ru-RU" i="1">
+                              <a:latin typeface="Cambria Math" panose="02040503050406030204" pitchFamily="18" charset="0"/>
+                            </a:rPr>
                           </m:ctrlPr>
                         </m:dPr>
                         <m:e>
                           <m:r>
-                            <a:rPr lang="ru-RU" i="1"/>
+                            <a:rPr lang="ru-RU" i="1">
+                              <a:latin typeface="Cambria Math" panose="02040503050406030204" pitchFamily="18" charset="0"/>
+                            </a:rPr>
                             <m:t>𝑗</m:t>
                           </m:r>
                         </m:e>
                       </m:d>
                       <m:r>
-                        <a:rPr lang="ru-RU" i="1"/>
+                        <a:rPr lang="ru-RU" i="1">
+                          <a:latin typeface="Cambria Math" panose="02040503050406030204" pitchFamily="18" charset="0"/>
+                        </a:rPr>
                         <m:t>)</m:t>
                       </m:r>
                     </m:oMath>
@@ -6237,6 +6448,7 @@
                 <a:endParaRPr lang="ru-RU" dirty="0"/>
               </a:p>
               <a:p>
+                <a:pPr/>
                 <a14:m>
                   <m:oMathPara xmlns:m="http://schemas.openxmlformats.org/officeDocument/2006/math">
                     <m:oMathParaPr>
@@ -6246,7 +6458,9 @@
                       <m:sSub>
                         <m:sSubPr>
                           <m:ctrlPr>
-                            <a:rPr lang="ru-RU" i="1"/>
+                            <a:rPr lang="ru-RU" i="1">
+                              <a:latin typeface="Cambria Math" panose="02040503050406030204" pitchFamily="18" charset="0"/>
+                            </a:rPr>
                           </m:ctrlPr>
                         </m:sSubPr>
                         <m:e>
@@ -6254,12 +6468,16 @@
                             <m:accPr>
                               <m:chr m:val="̅"/>
                               <m:ctrlPr>
-                                <a:rPr lang="ru-RU" i="1"/>
+                                <a:rPr lang="ru-RU" i="1">
+                                  <a:latin typeface="Cambria Math" panose="02040503050406030204" pitchFamily="18" charset="0"/>
+                                </a:rPr>
                               </m:ctrlPr>
                             </m:accPr>
                             <m:e>
                               <m:r>
-                                <a:rPr lang="ru-RU" i="1"/>
+                                <a:rPr lang="ru-RU" i="1">
+                                  <a:latin typeface="Cambria Math" panose="02040503050406030204" pitchFamily="18" charset="0"/>
+                                </a:rPr>
                                 <m:t>𝑥</m:t>
                               </m:r>
                             </m:e>
@@ -6267,24 +6485,32 @@
                         </m:e>
                         <m:sub>
                           <m:r>
-                            <a:rPr lang="en-US" i="1"/>
+                            <a:rPr lang="en-US" i="1">
+                              <a:latin typeface="Cambria Math" panose="02040503050406030204" pitchFamily="18" charset="0"/>
+                            </a:rPr>
                             <m:t>𝑙</m:t>
                           </m:r>
                         </m:sub>
                       </m:sSub>
                       <m:r>
-                        <a:rPr lang="ru-RU" i="1"/>
+                        <a:rPr lang="ru-RU" i="1">
+                          <a:latin typeface="Cambria Math" panose="02040503050406030204" pitchFamily="18" charset="0"/>
+                        </a:rPr>
                         <m:t>=</m:t>
                       </m:r>
                       <m:f>
                         <m:fPr>
                           <m:ctrlPr>
-                            <a:rPr lang="ru-RU" i="1"/>
+                            <a:rPr lang="ru-RU" i="1">
+                              <a:latin typeface="Cambria Math" panose="02040503050406030204" pitchFamily="18" charset="0"/>
+                            </a:rPr>
                           </m:ctrlPr>
                         </m:fPr>
                         <m:num>
                           <m:r>
-                            <a:rPr lang="ru-RU" i="1"/>
+                            <a:rPr lang="ru-RU" i="1">
+                              <a:latin typeface="Cambria Math" panose="02040503050406030204" pitchFamily="18" charset="0"/>
+                            </a:rPr>
                             <m:t>1</m:t>
                           </m:r>
                         </m:num>
@@ -6292,18 +6518,24 @@
                           <m:sSub>
                             <m:sSubPr>
                               <m:ctrlPr>
-                                <a:rPr lang="ru-RU" i="1"/>
+                                <a:rPr lang="ru-RU" i="1">
+                                  <a:latin typeface="Cambria Math" panose="02040503050406030204" pitchFamily="18" charset="0"/>
+                                </a:rPr>
                               </m:ctrlPr>
                             </m:sSubPr>
                             <m:e>
                               <m:r>
-                                <a:rPr lang="en-US" i="1"/>
+                                <a:rPr lang="en-US" i="1">
+                                  <a:latin typeface="Cambria Math" panose="02040503050406030204" pitchFamily="18" charset="0"/>
+                                </a:rPr>
                                 <m:t>𝑁</m:t>
                               </m:r>
                             </m:e>
                             <m:sub>
                               <m:r>
-                                <a:rPr lang="en-US" i="1"/>
+                                <a:rPr lang="en-US" i="1">
+                                  <a:latin typeface="Cambria Math" panose="02040503050406030204" pitchFamily="18" charset="0"/>
+                                </a:rPr>
                                 <m:t>𝑙</m:t>
                               </m:r>
                             </m:sub>
@@ -6316,12 +6548,16 @@
                           <m:limLoc m:val="undOvr"/>
                           <m:supHide m:val="on"/>
                           <m:ctrlPr>
-                            <a:rPr lang="ru-RU" i="1"/>
+                            <a:rPr lang="ru-RU" i="1">
+                              <a:latin typeface="Cambria Math" panose="02040503050406030204" pitchFamily="18" charset="0"/>
+                            </a:rPr>
                           </m:ctrlPr>
                         </m:naryPr>
                         <m:sub>
                           <m:r>
-                            <a:rPr lang="ru-RU" i="1"/>
+                            <a:rPr lang="ru-RU" i="1">
+                              <a:latin typeface="Cambria Math" panose="02040503050406030204" pitchFamily="18" charset="0"/>
+                            </a:rPr>
                             <m:t>𝑖</m:t>
                           </m:r>
                         </m:sub>
@@ -6330,37 +6566,45 @@
                           <m:sSub>
                             <m:sSubPr>
                               <m:ctrlPr>
-                                <a:rPr lang="ru-RU" i="1"/>
+                                <a:rPr lang="ru-RU" i="1">
+                                  <a:latin typeface="Cambria Math" panose="02040503050406030204" pitchFamily="18" charset="0"/>
+                                </a:rPr>
                               </m:ctrlPr>
                             </m:sSubPr>
                             <m:e>
                               <m:r>
-                                <a:rPr lang="ru-RU" i="1"/>
+                                <a:rPr lang="ru-RU" i="1">
+                                  <a:latin typeface="Cambria Math" panose="02040503050406030204" pitchFamily="18" charset="0"/>
+                                </a:rPr>
                                 <m:t>𝑈</m:t>
                               </m:r>
                             </m:e>
                             <m:sub>
                               <m:r>
-                                <a:rPr lang="en-US" i="1"/>
+                                <a:rPr lang="en-US" i="1">
+                                  <a:latin typeface="Cambria Math" panose="02040503050406030204" pitchFamily="18" charset="0"/>
+                                </a:rPr>
                                 <m:t>𝑙</m:t>
                               </m:r>
                             </m:sub>
                           </m:sSub>
                           <m:r>
-                            <a:rPr lang="ru-RU" i="1"/>
+                            <a:rPr lang="ru-RU" i="1">
+                              <a:latin typeface="Cambria Math" panose="02040503050406030204" pitchFamily="18" charset="0"/>
+                            </a:rPr>
                             <m:t>(</m:t>
                           </m:r>
                           <m:r>
-                            <a:rPr lang="ru-RU" i="1"/>
+                            <a:rPr lang="ru-RU" i="1">
+                              <a:latin typeface="Cambria Math" panose="02040503050406030204" pitchFamily="18" charset="0"/>
+                            </a:rPr>
                             <m:t>𝑖</m:t>
                           </m:r>
                           <m:r>
-                            <a:rPr lang="ru-RU" i="1"/>
-                            <m:t>,</m:t>
-                          </m:r>
-                          <m:r>
-                            <a:rPr lang="en-US" i="1"/>
-                            <m:t>:)</m:t>
+                            <a:rPr lang="ru-RU" i="1">
+                              <a:latin typeface="Cambria Math" panose="02040503050406030204" pitchFamily="18" charset="0"/>
+                            </a:rPr>
+                            <m:t>,:)</m:t>
                           </m:r>
                         </m:e>
                       </m:nary>
@@ -6370,6 +6614,7 @@
                 <a:endParaRPr lang="ru-RU" dirty="0"/>
               </a:p>
               <a:p>
+                <a:pPr/>
                 <a14:m>
                   <m:oMathPara xmlns:m="http://schemas.openxmlformats.org/officeDocument/2006/math">
                     <m:oMathParaPr>
@@ -6377,49 +6622,67 @@
                     </m:oMathParaPr>
                     <m:oMath xmlns:m="http://schemas.openxmlformats.org/officeDocument/2006/math">
                       <m:r>
-                        <a:rPr lang="ru-RU" i="1"/>
+                        <a:rPr lang="ru-RU" i="1">
+                          <a:latin typeface="Cambria Math" panose="02040503050406030204" pitchFamily="18" charset="0"/>
+                        </a:rPr>
                         <m:t>𝑅</m:t>
                       </m:r>
                       <m:d>
                         <m:dPr>
                           <m:ctrlPr>
-                            <a:rPr lang="ru-RU" i="1"/>
+                            <a:rPr lang="ru-RU" i="1">
+                              <a:latin typeface="Cambria Math" panose="02040503050406030204" pitchFamily="18" charset="0"/>
+                            </a:rPr>
                           </m:ctrlPr>
                         </m:dPr>
                         <m:e>
                           <m:r>
-                            <a:rPr lang="ru-RU" i="1"/>
+                            <a:rPr lang="ru-RU" i="1">
+                              <a:latin typeface="Cambria Math" panose="02040503050406030204" pitchFamily="18" charset="0"/>
+                            </a:rPr>
                             <m:t>𝑖</m:t>
                           </m:r>
                           <m:r>
-                            <a:rPr lang="ru-RU" i="1"/>
+                            <a:rPr lang="ru-RU" i="1">
+                              <a:latin typeface="Cambria Math" panose="02040503050406030204" pitchFamily="18" charset="0"/>
+                            </a:rPr>
                             <m:t>,</m:t>
                           </m:r>
                           <m:r>
-                            <a:rPr lang="ru-RU" i="1"/>
+                            <a:rPr lang="ru-RU" i="1">
+                              <a:latin typeface="Cambria Math" panose="02040503050406030204" pitchFamily="18" charset="0"/>
+                            </a:rPr>
                             <m:t>𝑗</m:t>
                           </m:r>
                         </m:e>
                       </m:d>
                       <m:r>
-                        <a:rPr lang="ru-RU" i="1"/>
+                        <a:rPr lang="ru-RU" i="1">
+                          <a:latin typeface="Cambria Math" panose="02040503050406030204" pitchFamily="18" charset="0"/>
+                        </a:rPr>
                         <m:t>=</m:t>
                       </m:r>
                       <m:f>
                         <m:fPr>
                           <m:ctrlPr>
-                            <a:rPr lang="ru-RU" i="1"/>
+                            <a:rPr lang="ru-RU" i="1">
+                              <a:latin typeface="Cambria Math" panose="02040503050406030204" pitchFamily="18" charset="0"/>
+                            </a:rPr>
                           </m:ctrlPr>
                         </m:fPr>
                         <m:num>
                           <m:r>
-                            <a:rPr lang="ru-RU" i="1"/>
+                            <a:rPr lang="ru-RU" i="1">
+                              <a:latin typeface="Cambria Math" panose="02040503050406030204" pitchFamily="18" charset="0"/>
+                            </a:rPr>
                             <m:t>1</m:t>
                           </m:r>
                         </m:num>
                         <m:den>
                           <m:r>
-                            <a:rPr lang="ru-RU" i="1"/>
+                            <a:rPr lang="ru-RU" i="1">
+                              <a:latin typeface="Cambria Math" panose="02040503050406030204" pitchFamily="18" charset="0"/>
+                            </a:rPr>
                             <m:t>𝑁</m:t>
                           </m:r>
                         </m:den>
@@ -6430,12 +6693,16 @@
                           <m:limLoc m:val="undOvr"/>
                           <m:supHide m:val="on"/>
                           <m:ctrlPr>
-                            <a:rPr lang="ru-RU" i="1"/>
+                            <a:rPr lang="ru-RU" i="1">
+                              <a:latin typeface="Cambria Math" panose="02040503050406030204" pitchFamily="18" charset="0"/>
+                            </a:rPr>
                           </m:ctrlPr>
                         </m:naryPr>
                         <m:sub>
                           <m:r>
-                            <a:rPr lang="ru-RU" i="1"/>
+                            <a:rPr lang="ru-RU" i="1">
+                              <a:latin typeface="Cambria Math" panose="02040503050406030204" pitchFamily="18" charset="0"/>
+                            </a:rPr>
                             <m:t>𝑘</m:t>
                           </m:r>
                         </m:sub>
@@ -6444,49 +6711,67 @@
                           <m:d>
                             <m:dPr>
                               <m:ctrlPr>
-                                <a:rPr lang="ru-RU" i="1"/>
+                                <a:rPr lang="ru-RU" i="1">
+                                  <a:latin typeface="Cambria Math" panose="02040503050406030204" pitchFamily="18" charset="0"/>
+                                </a:rPr>
                               </m:ctrlPr>
                             </m:dPr>
                             <m:e>
                               <m:r>
-                                <a:rPr lang="ru-RU" i="1"/>
+                                <a:rPr lang="ru-RU" i="1">
+                                  <a:latin typeface="Cambria Math" panose="02040503050406030204" pitchFamily="18" charset="0"/>
+                                </a:rPr>
                                 <m:t>𝑈</m:t>
                               </m:r>
                               <m:d>
                                 <m:dPr>
                                   <m:ctrlPr>
-                                    <a:rPr lang="ru-RU" i="1"/>
+                                    <a:rPr lang="ru-RU" i="1">
+                                      <a:latin typeface="Cambria Math" panose="02040503050406030204" pitchFamily="18" charset="0"/>
+                                    </a:rPr>
                                   </m:ctrlPr>
                                 </m:dPr>
                                 <m:e>
                                   <m:r>
-                                    <a:rPr lang="ru-RU" i="1"/>
+                                    <a:rPr lang="ru-RU" i="1">
+                                      <a:latin typeface="Cambria Math" panose="02040503050406030204" pitchFamily="18" charset="0"/>
+                                    </a:rPr>
                                     <m:t>𝑘</m:t>
                                   </m:r>
                                   <m:r>
-                                    <a:rPr lang="ru-RU" i="1"/>
+                                    <a:rPr lang="ru-RU" i="1">
+                                      <a:latin typeface="Cambria Math" panose="02040503050406030204" pitchFamily="18" charset="0"/>
+                                    </a:rPr>
                                     <m:t>,</m:t>
                                   </m:r>
                                   <m:r>
-                                    <a:rPr lang="ru-RU" i="1"/>
+                                    <a:rPr lang="ru-RU" i="1">
+                                      <a:latin typeface="Cambria Math" panose="02040503050406030204" pitchFamily="18" charset="0"/>
+                                    </a:rPr>
                                     <m:t>𝑖</m:t>
                                   </m:r>
                                 </m:e>
                               </m:d>
                               <m:r>
-                                <a:rPr lang="ru-RU" i="1"/>
+                                <a:rPr lang="ru-RU" i="1">
+                                  <a:latin typeface="Cambria Math" panose="02040503050406030204" pitchFamily="18" charset="0"/>
+                                </a:rPr>
                                 <m:t>−</m:t>
                               </m:r>
                               <m:acc>
                                 <m:accPr>
                                   <m:chr m:val="̅"/>
                                   <m:ctrlPr>
-                                    <a:rPr lang="ru-RU" i="1"/>
+                                    <a:rPr lang="ru-RU" i="1">
+                                      <a:latin typeface="Cambria Math" panose="02040503050406030204" pitchFamily="18" charset="0"/>
+                                    </a:rPr>
                                   </m:ctrlPr>
                                 </m:accPr>
                                 <m:e>
                                   <m:r>
-                                    <a:rPr lang="ru-RU" i="1"/>
+                                    <a:rPr lang="ru-RU" i="1">
+                                      <a:latin typeface="Cambria Math" panose="02040503050406030204" pitchFamily="18" charset="0"/>
+                                    </a:rPr>
                                     <m:t>𝑥</m:t>
                                   </m:r>
                                 </m:e>
@@ -6494,12 +6779,16 @@
                               <m:d>
                                 <m:dPr>
                                   <m:ctrlPr>
-                                    <a:rPr lang="ru-RU" i="1"/>
+                                    <a:rPr lang="ru-RU" i="1">
+                                      <a:latin typeface="Cambria Math" panose="02040503050406030204" pitchFamily="18" charset="0"/>
+                                    </a:rPr>
                                   </m:ctrlPr>
                                 </m:dPr>
                                 <m:e>
                                   <m:r>
-                                    <a:rPr lang="ru-RU" i="1"/>
+                                    <a:rPr lang="ru-RU" i="1">
+                                      <a:latin typeface="Cambria Math" panose="02040503050406030204" pitchFamily="18" charset="0"/>
+                                    </a:rPr>
                                     <m:t>𝑖</m:t>
                                   </m:r>
                                 </m:e>
@@ -6509,48 +6798,66 @@
                         </m:e>
                       </m:nary>
                       <m:r>
-                        <a:rPr lang="ru-RU" i="1"/>
+                        <a:rPr lang="ru-RU" i="1">
+                          <a:latin typeface="Cambria Math" panose="02040503050406030204" pitchFamily="18" charset="0"/>
+                        </a:rPr>
                         <m:t>(</m:t>
                       </m:r>
                       <m:r>
-                        <a:rPr lang="ru-RU" i="1"/>
+                        <a:rPr lang="ru-RU" i="1">
+                          <a:latin typeface="Cambria Math" panose="02040503050406030204" pitchFamily="18" charset="0"/>
+                        </a:rPr>
                         <m:t>𝑈</m:t>
                       </m:r>
                       <m:d>
                         <m:dPr>
                           <m:ctrlPr>
-                            <a:rPr lang="ru-RU" i="1"/>
+                            <a:rPr lang="ru-RU" i="1">
+                              <a:latin typeface="Cambria Math" panose="02040503050406030204" pitchFamily="18" charset="0"/>
+                            </a:rPr>
                           </m:ctrlPr>
                         </m:dPr>
                         <m:e>
                           <m:r>
-                            <a:rPr lang="ru-RU" i="1"/>
+                            <a:rPr lang="ru-RU" i="1">
+                              <a:latin typeface="Cambria Math" panose="02040503050406030204" pitchFamily="18" charset="0"/>
+                            </a:rPr>
                             <m:t>𝑘</m:t>
                           </m:r>
                           <m:r>
-                            <a:rPr lang="ru-RU" i="1"/>
+                            <a:rPr lang="ru-RU" i="1">
+                              <a:latin typeface="Cambria Math" panose="02040503050406030204" pitchFamily="18" charset="0"/>
+                            </a:rPr>
                             <m:t>,</m:t>
                           </m:r>
                           <m:r>
-                            <a:rPr lang="ru-RU" i="1"/>
+                            <a:rPr lang="ru-RU" i="1">
+                              <a:latin typeface="Cambria Math" panose="02040503050406030204" pitchFamily="18" charset="0"/>
+                            </a:rPr>
                             <m:t>𝑗</m:t>
                           </m:r>
                         </m:e>
                       </m:d>
                       <m:r>
-                        <a:rPr lang="ru-RU" i="1"/>
+                        <a:rPr lang="ru-RU" i="1">
+                          <a:latin typeface="Cambria Math" panose="02040503050406030204" pitchFamily="18" charset="0"/>
+                        </a:rPr>
                         <m:t>−</m:t>
                       </m:r>
                       <m:acc>
                         <m:accPr>
                           <m:chr m:val="̅"/>
                           <m:ctrlPr>
-                            <a:rPr lang="ru-RU" i="1"/>
+                            <a:rPr lang="ru-RU" i="1">
+                              <a:latin typeface="Cambria Math" panose="02040503050406030204" pitchFamily="18" charset="0"/>
+                            </a:rPr>
                           </m:ctrlPr>
                         </m:accPr>
                         <m:e>
                           <m:r>
-                            <a:rPr lang="ru-RU" i="1"/>
+                            <a:rPr lang="ru-RU" i="1">
+                              <a:latin typeface="Cambria Math" panose="02040503050406030204" pitchFamily="18" charset="0"/>
+                            </a:rPr>
                             <m:t>𝑥</m:t>
                           </m:r>
                         </m:e>
@@ -6558,18 +6865,24 @@
                       <m:d>
                         <m:dPr>
                           <m:ctrlPr>
-                            <a:rPr lang="ru-RU" i="1"/>
+                            <a:rPr lang="ru-RU" i="1">
+                              <a:latin typeface="Cambria Math" panose="02040503050406030204" pitchFamily="18" charset="0"/>
+                            </a:rPr>
                           </m:ctrlPr>
                         </m:dPr>
                         <m:e>
                           <m:r>
-                            <a:rPr lang="ru-RU" i="1"/>
+                            <a:rPr lang="ru-RU" i="1">
+                              <a:latin typeface="Cambria Math" panose="02040503050406030204" pitchFamily="18" charset="0"/>
+                            </a:rPr>
                             <m:t>𝑗</m:t>
                           </m:r>
                         </m:e>
                       </m:d>
                       <m:r>
-                        <a:rPr lang="ru-RU" i="1"/>
+                        <a:rPr lang="ru-RU" i="1">
+                          <a:latin typeface="Cambria Math" panose="02040503050406030204" pitchFamily="18" charset="0"/>
+                        </a:rPr>
                         <m:t>)</m:t>
                       </m:r>
                     </m:oMath>
@@ -6578,6 +6891,7 @@
                 <a:endParaRPr lang="ru-RU" dirty="0"/>
               </a:p>
               <a:p>
+                <a:pPr/>
                 <a14:m>
                   <m:oMathPara xmlns:m="http://schemas.openxmlformats.org/officeDocument/2006/math">
                     <m:oMathParaPr>
@@ -6588,35 +6902,47 @@
                         <m:accPr>
                           <m:chr m:val="̅"/>
                           <m:ctrlPr>
-                            <a:rPr lang="ru-RU" i="1"/>
+                            <a:rPr lang="ru-RU" i="1">
+                              <a:latin typeface="Cambria Math" panose="02040503050406030204" pitchFamily="18" charset="0"/>
+                            </a:rPr>
                           </m:ctrlPr>
                         </m:accPr>
                         <m:e>
                           <m:r>
-                            <a:rPr lang="ru-RU" i="1"/>
+                            <a:rPr lang="ru-RU" i="1">
+                              <a:latin typeface="Cambria Math" panose="02040503050406030204" pitchFamily="18" charset="0"/>
+                            </a:rPr>
                             <m:t>𝑥</m:t>
                           </m:r>
                         </m:e>
                       </m:acc>
                       <m:r>
-                        <a:rPr lang="ru-RU" i="1"/>
+                        <a:rPr lang="ru-RU" i="1">
+                          <a:latin typeface="Cambria Math" panose="02040503050406030204" pitchFamily="18" charset="0"/>
+                        </a:rPr>
                         <m:t>=</m:t>
                       </m:r>
                       <m:f>
                         <m:fPr>
                           <m:ctrlPr>
-                            <a:rPr lang="ru-RU" i="1"/>
+                            <a:rPr lang="ru-RU" i="1">
+                              <a:latin typeface="Cambria Math" panose="02040503050406030204" pitchFamily="18" charset="0"/>
+                            </a:rPr>
                           </m:ctrlPr>
                         </m:fPr>
                         <m:num>
                           <m:r>
-                            <a:rPr lang="ru-RU" i="1"/>
+                            <a:rPr lang="ru-RU" i="1">
+                              <a:latin typeface="Cambria Math" panose="02040503050406030204" pitchFamily="18" charset="0"/>
+                            </a:rPr>
                             <m:t>1</m:t>
                           </m:r>
                         </m:num>
                         <m:den>
                           <m:r>
-                            <a:rPr lang="ru-RU" i="1"/>
+                            <a:rPr lang="ru-RU" i="1">
+                              <a:latin typeface="Cambria Math" panose="02040503050406030204" pitchFamily="18" charset="0"/>
+                            </a:rPr>
                             <m:t>𝑁</m:t>
                           </m:r>
                         </m:den>
@@ -6627,12 +6953,16 @@
                           <m:limLoc m:val="undOvr"/>
                           <m:supHide m:val="on"/>
                           <m:ctrlPr>
-                            <a:rPr lang="ru-RU" i="1"/>
+                            <a:rPr lang="ru-RU" i="1">
+                              <a:latin typeface="Cambria Math" panose="02040503050406030204" pitchFamily="18" charset="0"/>
+                            </a:rPr>
                           </m:ctrlPr>
                         </m:naryPr>
                         <m:sub>
                           <m:r>
-                            <a:rPr lang="ru-RU" i="1"/>
+                            <a:rPr lang="ru-RU" i="1">
+                              <a:latin typeface="Cambria Math" panose="02040503050406030204" pitchFamily="18" charset="0"/>
+                            </a:rPr>
                             <m:t>𝑖</m:t>
                           </m:r>
                         </m:sub>
@@ -6641,37 +6971,45 @@
                           <m:sSub>
                             <m:sSubPr>
                               <m:ctrlPr>
-                                <a:rPr lang="ru-RU" i="1"/>
+                                <a:rPr lang="ru-RU" i="1">
+                                  <a:latin typeface="Cambria Math" panose="02040503050406030204" pitchFamily="18" charset="0"/>
+                                </a:rPr>
                               </m:ctrlPr>
                             </m:sSubPr>
                             <m:e>
                               <m:r>
-                                <a:rPr lang="ru-RU" i="1"/>
+                                <a:rPr lang="ru-RU" i="1">
+                                  <a:latin typeface="Cambria Math" panose="02040503050406030204" pitchFamily="18" charset="0"/>
+                                </a:rPr>
                                 <m:t>𝑈</m:t>
                               </m:r>
                             </m:e>
                             <m:sub>
                               <m:r>
-                                <a:rPr lang="en-US" i="1"/>
+                                <a:rPr lang="en-US" i="1">
+                                  <a:latin typeface="Cambria Math" panose="02040503050406030204" pitchFamily="18" charset="0"/>
+                                </a:rPr>
                                 <m:t>𝑙</m:t>
                               </m:r>
                             </m:sub>
                           </m:sSub>
                           <m:r>
-                            <a:rPr lang="ru-RU" i="1"/>
+                            <a:rPr lang="ru-RU" i="1">
+                              <a:latin typeface="Cambria Math" panose="02040503050406030204" pitchFamily="18" charset="0"/>
+                            </a:rPr>
                             <m:t>(</m:t>
                           </m:r>
                           <m:r>
-                            <a:rPr lang="ru-RU" i="1"/>
+                            <a:rPr lang="ru-RU" i="1">
+                              <a:latin typeface="Cambria Math" panose="02040503050406030204" pitchFamily="18" charset="0"/>
+                            </a:rPr>
                             <m:t>𝑖</m:t>
                           </m:r>
                           <m:r>
-                            <a:rPr lang="ru-RU" i="1"/>
-                            <m:t>,</m:t>
-                          </m:r>
-                          <m:r>
-                            <a:rPr lang="en-US" i="1"/>
-                            <m:t>:)</m:t>
+                            <a:rPr lang="ru-RU" i="1">
+                              <a:latin typeface="Cambria Math" panose="02040503050406030204" pitchFamily="18" charset="0"/>
+                            </a:rPr>
+                            <m:t>,:)</m:t>
                           </m:r>
                         </m:e>
                       </m:nary>
@@ -6684,6 +7022,7 @@
                 <a:endParaRPr lang="en-US" dirty="0" smtClean="0"/>
               </a:p>
               <a:p>
+                <a:pPr/>
                 <a14:m>
                   <m:oMathPara xmlns:m="http://schemas.openxmlformats.org/officeDocument/2006/math">
                     <m:oMathParaPr>
@@ -6691,33 +7030,45 @@
                     </m:oMathParaPr>
                     <m:oMath xmlns:m="http://schemas.openxmlformats.org/officeDocument/2006/math">
                       <m:r>
-                        <a:rPr lang="en-US" i="1"/>
+                        <a:rPr lang="en-US" i="1">
+                          <a:latin typeface="Cambria Math" panose="02040503050406030204" pitchFamily="18" charset="0"/>
+                        </a:rPr>
                         <m:t>𝐽</m:t>
                       </m:r>
                       <m:r>
-                        <a:rPr lang="ru-RU" i="1"/>
+                        <a:rPr lang="ru-RU" i="1">
+                          <a:latin typeface="Cambria Math" panose="02040503050406030204" pitchFamily="18" charset="0"/>
+                        </a:rPr>
                         <m:t>=</m:t>
                       </m:r>
                       <m:f>
                         <m:fPr>
                           <m:ctrlPr>
-                            <a:rPr lang="ru-RU" i="1"/>
+                            <a:rPr lang="ru-RU" i="1">
+                              <a:latin typeface="Cambria Math" panose="02040503050406030204" pitchFamily="18" charset="0"/>
+                            </a:rPr>
                           </m:ctrlPr>
                         </m:fPr>
                         <m:num>
                           <m:r>
-                            <a:rPr lang="en-US" i="1"/>
+                            <a:rPr lang="en-US" i="1">
+                              <a:latin typeface="Cambria Math" panose="02040503050406030204" pitchFamily="18" charset="0"/>
+                            </a:rPr>
                             <m:t>𝑡𝑟</m:t>
                           </m:r>
                           <m:d>
                             <m:dPr>
                               <m:ctrlPr>
-                                <a:rPr lang="ru-RU" i="1"/>
+                                <a:rPr lang="ru-RU" i="1">
+                                  <a:latin typeface="Cambria Math" panose="02040503050406030204" pitchFamily="18" charset="0"/>
+                                </a:rPr>
                               </m:ctrlPr>
                             </m:dPr>
                             <m:e>
                               <m:r>
-                                <a:rPr lang="en-US" i="1"/>
+                                <a:rPr lang="en-US" i="1">
+                                  <a:latin typeface="Cambria Math" panose="02040503050406030204" pitchFamily="18" charset="0"/>
+                                </a:rPr>
                                 <m:t>𝑅</m:t>
                               </m:r>
                             </m:e>
@@ -6725,22 +7076,30 @@
                         </m:num>
                         <m:den>
                           <m:r>
-                            <a:rPr lang="en-US" i="1"/>
+                            <a:rPr lang="en-US" i="1">
+                              <a:latin typeface="Cambria Math" panose="02040503050406030204" pitchFamily="18" charset="0"/>
+                            </a:rPr>
                             <m:t>𝑡𝑟</m:t>
                           </m:r>
                           <m:r>
-                            <a:rPr lang="ru-RU" i="1"/>
+                            <a:rPr lang="ru-RU" i="1">
+                              <a:latin typeface="Cambria Math" panose="02040503050406030204" pitchFamily="18" charset="0"/>
+                            </a:rPr>
                             <m:t>(</m:t>
                           </m:r>
                           <m:sSub>
                             <m:sSubPr>
                               <m:ctrlPr>
-                                <a:rPr lang="ru-RU" i="1"/>
+                                <a:rPr lang="ru-RU" i="1">
+                                  <a:latin typeface="Cambria Math" panose="02040503050406030204" pitchFamily="18" charset="0"/>
+                                </a:rPr>
                               </m:ctrlPr>
                             </m:sSubPr>
                             <m:e>
                               <m:r>
-                                <a:rPr lang="en-US" i="1"/>
+                                <a:rPr lang="en-US" i="1">
+                                  <a:latin typeface="Cambria Math" panose="02040503050406030204" pitchFamily="18" charset="0"/>
+                                </a:rPr>
                                 <m:t>𝑅</m:t>
                               </m:r>
                             </m:e>
@@ -6749,13 +7108,17 @@
                                 <m:rPr>
                                   <m:sty m:val="p"/>
                                 </m:rPr>
-                                <a:rPr lang="ru-RU"/>
+                                <a:rPr lang="ru-RU">
+                                  <a:latin typeface="Cambria Math" panose="02040503050406030204" pitchFamily="18" charset="0"/>
+                                </a:rPr>
                                 <m:t>Σ</m:t>
                               </m:r>
                             </m:sub>
                           </m:sSub>
                           <m:r>
-                            <a:rPr lang="ru-RU" i="1"/>
+                            <a:rPr lang="ru-RU" i="1">
+                              <a:latin typeface="Cambria Math" panose="02040503050406030204" pitchFamily="18" charset="0"/>
+                            </a:rPr>
                             <m:t>)</m:t>
                           </m:r>
                         </m:den>
@@ -6768,7 +7131,7 @@
             </p:txBody>
           </p:sp>
         </mc:Choice>
-        <mc:Fallback>
+        <mc:Fallback xmlns="">
           <p:sp>
             <p:nvSpPr>
               <p:cNvPr id="5" name="Прямоугольник 4"/>
@@ -7124,21 +7487,143 @@
           <a:lstStyle/>
           <a:p>
             <a:r>
-              <a:rPr lang="ru-RU" dirty="0" smtClean="0"/>
-              <a:t>Примеры использования пакетов</a:t>
-            </a:r>
-            <a:endParaRPr lang="ru-RU" dirty="0"/>
-          </a:p>
-        </p:txBody>
-      </p:sp>
-      <p:sp>
-        <p:nvSpPr>
-          <p:cNvPr id="3" name="Текст 2"/>
-          <p:cNvSpPr>
-            <a:spLocks noGrp="1"/>
-          </p:cNvSpPr>
-          <p:nvPr>
-            <p:ph type="body" sz="quarter" idx="12"/>
+              <a:rPr lang="ru-RU" dirty="0"/>
+              <a:t>Иллюстрационные примеры</a:t>
+            </a:r>
+          </a:p>
+        </p:txBody>
+      </p:sp>
+      <p:pic>
+        <p:nvPicPr>
+          <p:cNvPr id="4" name="Рисунок 3"/>
+          <p:cNvPicPr>
+            <a:picLocks noChangeAspect="1"/>
+          </p:cNvPicPr>
+          <p:nvPr/>
+        </p:nvPicPr>
+        <p:blipFill rotWithShape="1">
+          <a:blip r:embed="rId2"/>
+          <a:srcRect l="-1" t="1080" r="438"/>
+          <a:stretch/>
+        </p:blipFill>
+        <p:spPr>
+          <a:xfrm>
+            <a:off x="4610097" y="1819357"/>
+            <a:ext cx="6667329" cy="3859390"/>
+          </a:xfrm>
+          <a:prstGeom prst="rect">
+            <a:avLst/>
+          </a:prstGeom>
+        </p:spPr>
+      </p:pic>
+      <p:sp>
+        <p:nvSpPr>
+          <p:cNvPr id="5" name="Прямоугольник 4"/>
+          <p:cNvSpPr/>
+          <p:nvPr/>
+        </p:nvSpPr>
+        <p:spPr>
+          <a:xfrm>
+            <a:off x="-1" y="6112933"/>
+            <a:ext cx="12192001" cy="745067"/>
+          </a:xfrm>
+          <a:prstGeom prst="rect">
+            <a:avLst/>
+          </a:prstGeom>
+          <a:solidFill>
+            <a:srgbClr val="80BF44"/>
+          </a:solidFill>
+          <a:ln>
+            <a:noFill/>
+          </a:ln>
+        </p:spPr>
+        <p:style>
+          <a:lnRef idx="2">
+            <a:schemeClr val="accent1">
+              <a:shade val="50000"/>
+            </a:schemeClr>
+          </a:lnRef>
+          <a:fillRef idx="1">
+            <a:schemeClr val="accent1"/>
+          </a:fillRef>
+          <a:effectRef idx="0">
+            <a:schemeClr val="accent1"/>
+          </a:effectRef>
+          <a:fontRef idx="minor">
+            <a:schemeClr val="lt1"/>
+          </a:fontRef>
+        </p:style>
+        <p:txBody>
+          <a:bodyPr rtlCol="0" anchor="ctr"/>
+          <a:lstStyle/>
+          <a:p>
+            <a:pPr algn="ctr"/>
+            <a:endParaRPr lang="ru-RU"/>
+          </a:p>
+        </p:txBody>
+      </p:sp>
+      <p:pic>
+        <p:nvPicPr>
+          <p:cNvPr id="7" name="Рисунок 6"/>
+          <p:cNvPicPr>
+            <a:picLocks noChangeAspect="1"/>
+          </p:cNvPicPr>
+          <p:nvPr/>
+        </p:nvPicPr>
+        <p:blipFill>
+          <a:blip r:embed="rId3"/>
+          <a:stretch>
+            <a:fillRect/>
+          </a:stretch>
+        </p:blipFill>
+        <p:spPr>
+          <a:xfrm>
+            <a:off x="496396" y="1819357"/>
+            <a:ext cx="3820627" cy="3777938"/>
+          </a:xfrm>
+          <a:prstGeom prst="rect">
+            <a:avLst/>
+          </a:prstGeom>
+        </p:spPr>
+      </p:pic>
+    </p:spTree>
+    <p:extLst>
+      <p:ext uri="{BB962C8B-B14F-4D97-AF65-F5344CB8AC3E}">
+        <p14:creationId xmlns:p14="http://schemas.microsoft.com/office/powerpoint/2010/main" val="3617211770"/>
+      </p:ext>
+    </p:extLst>
+  </p:cSld>
+  <p:clrMapOvr>
+    <a:masterClrMapping/>
+  </p:clrMapOvr>
+</p:sld>
+</file>
+
+<file path=ppt/slides/slide7.xml><?xml version="1.0" encoding="utf-8"?>
+<p:sld xmlns:a="http://schemas.openxmlformats.org/drawingml/2006/main" xmlns:r="http://schemas.openxmlformats.org/officeDocument/2006/relationships" xmlns:p="http://schemas.openxmlformats.org/presentationml/2006/main">
+  <p:cSld>
+    <p:spTree>
+      <p:nvGrpSpPr>
+        <p:cNvPr id="1" name=""/>
+        <p:cNvGrpSpPr/>
+        <p:nvPr/>
+      </p:nvGrpSpPr>
+      <p:grpSpPr>
+        <a:xfrm>
+          <a:off x="0" y="0"/>
+          <a:ext cx="0" cy="0"/>
+          <a:chOff x="0" y="0"/>
+          <a:chExt cx="0" cy="0"/>
+        </a:xfrm>
+      </p:grpSpPr>
+      <p:sp>
+        <p:nvSpPr>
+          <p:cNvPr id="2" name="Заголовок 1"/>
+          <p:cNvSpPr>
+            <a:spLocks noGrp="1"/>
+          </p:cNvSpPr>
+          <p:nvPr>
+            <p:ph type="title"/>
           </p:nvPr>
         </p:nvSpPr>
         <p:spPr/>
@@ -7146,6 +7631,161 @@
           <a:bodyPr/>
           <a:lstStyle/>
           <a:p>
+            <a:r>
+              <a:rPr lang="ru-RU" dirty="0" smtClean="0"/>
+              <a:t>Иллюстрационные примеры</a:t>
+            </a:r>
+            <a:endParaRPr lang="ru-RU" dirty="0"/>
+          </a:p>
+        </p:txBody>
+      </p:sp>
+      <p:pic>
+        <p:nvPicPr>
+          <p:cNvPr id="4" name="Рисунок 3"/>
+          <p:cNvPicPr>
+            <a:picLocks noChangeAspect="1"/>
+          </p:cNvPicPr>
+          <p:nvPr/>
+        </p:nvPicPr>
+        <p:blipFill rotWithShape="1">
+          <a:blip r:embed="rId2"/>
+          <a:srcRect l="1535" t="2273"/>
+          <a:stretch/>
+        </p:blipFill>
+        <p:spPr>
+          <a:xfrm>
+            <a:off x="1116623" y="2347544"/>
+            <a:ext cx="4303263" cy="3297118"/>
+          </a:xfrm>
+          <a:prstGeom prst="rect">
+            <a:avLst/>
+          </a:prstGeom>
+        </p:spPr>
+      </p:pic>
+      <p:pic>
+        <p:nvPicPr>
+          <p:cNvPr id="5" name="Рисунок 4"/>
+          <p:cNvPicPr>
+            <a:picLocks noChangeAspect="1"/>
+          </p:cNvPicPr>
+          <p:nvPr/>
+        </p:nvPicPr>
+        <p:blipFill rotWithShape="1">
+          <a:blip r:embed="rId3"/>
+          <a:srcRect l="1036" t="2380" r="966" b="2380"/>
+          <a:stretch/>
+        </p:blipFill>
+        <p:spPr>
+          <a:xfrm>
+            <a:off x="5917223" y="2347544"/>
+            <a:ext cx="4654512" cy="2602524"/>
+          </a:xfrm>
+          <a:prstGeom prst="rect">
+            <a:avLst/>
+          </a:prstGeom>
+        </p:spPr>
+      </p:pic>
+      <p:sp>
+        <p:nvSpPr>
+          <p:cNvPr id="6" name="TextBox 5"/>
+          <p:cNvSpPr txBox="1"/>
+          <p:nvPr/>
+        </p:nvSpPr>
+        <p:spPr>
+          <a:xfrm>
+            <a:off x="1998425" y="1834450"/>
+            <a:ext cx="2734408" cy="369332"/>
+          </a:xfrm>
+          <a:prstGeom prst="rect">
+            <a:avLst/>
+          </a:prstGeom>
+          <a:noFill/>
+        </p:spPr>
+        <p:txBody>
+          <a:bodyPr wrap="square" rtlCol="0">
+            <a:spAutoFit/>
+          </a:bodyPr>
+          <a:lstStyle/>
+          <a:p>
+            <a:r>
+              <a:rPr lang="ru-RU" dirty="0" smtClean="0"/>
+              <a:t>Корреляционна матрица</a:t>
+            </a:r>
+            <a:endParaRPr lang="ru-RU" dirty="0"/>
+          </a:p>
+        </p:txBody>
+      </p:sp>
+      <p:sp>
+        <p:nvSpPr>
+          <p:cNvPr id="7" name="TextBox 6"/>
+          <p:cNvSpPr txBox="1"/>
+          <p:nvPr/>
+        </p:nvSpPr>
+        <p:spPr>
+          <a:xfrm>
+            <a:off x="7394330" y="1834450"/>
+            <a:ext cx="2734408" cy="369332"/>
+          </a:xfrm>
+          <a:prstGeom prst="rect">
+            <a:avLst/>
+          </a:prstGeom>
+          <a:noFill/>
+        </p:spPr>
+        <p:txBody>
+          <a:bodyPr wrap="square" rtlCol="0">
+            <a:spAutoFit/>
+          </a:bodyPr>
+          <a:lstStyle/>
+          <a:p>
+            <a:r>
+              <a:rPr lang="en-US" dirty="0" smtClean="0"/>
+              <a:t>Information gain</a:t>
+            </a:r>
+          </a:p>
+        </p:txBody>
+      </p:sp>
+      <p:sp>
+        <p:nvSpPr>
+          <p:cNvPr id="9" name="Прямоугольник 8"/>
+          <p:cNvSpPr/>
+          <p:nvPr/>
+        </p:nvSpPr>
+        <p:spPr>
+          <a:xfrm>
+            <a:off x="-1" y="6112933"/>
+            <a:ext cx="12192001" cy="745067"/>
+          </a:xfrm>
+          <a:prstGeom prst="rect">
+            <a:avLst/>
+          </a:prstGeom>
+          <a:solidFill>
+            <a:srgbClr val="80BF44"/>
+          </a:solidFill>
+          <a:ln>
+            <a:noFill/>
+          </a:ln>
+        </p:spPr>
+        <p:style>
+          <a:lnRef idx="2">
+            <a:schemeClr val="accent1">
+              <a:shade val="50000"/>
+            </a:schemeClr>
+          </a:lnRef>
+          <a:fillRef idx="1">
+            <a:schemeClr val="accent1"/>
+          </a:fillRef>
+          <a:effectRef idx="0">
+            <a:schemeClr val="accent1"/>
+          </a:effectRef>
+          <a:fontRef idx="minor">
+            <a:schemeClr val="lt1"/>
+          </a:fontRef>
+        </p:style>
+        <p:txBody>
+          <a:bodyPr rtlCol="0" anchor="ctr"/>
+          <a:lstStyle/>
+          <a:p>
+            <a:pPr algn="ctr"/>
             <a:endParaRPr lang="ru-RU"/>
           </a:p>
         </p:txBody>
@@ -7154,6 +7794,383 @@
     <p:extLst>
       <p:ext uri="{BB962C8B-B14F-4D97-AF65-F5344CB8AC3E}">
         <p14:creationId xmlns:p14="http://schemas.microsoft.com/office/powerpoint/2010/main" val="2861529617"/>
+      </p:ext>
+    </p:extLst>
+  </p:cSld>
+  <p:clrMapOvr>
+    <a:masterClrMapping/>
+  </p:clrMapOvr>
+</p:sld>
+</file>
+
+<file path=ppt/slides/slide8.xml><?xml version="1.0" encoding="utf-8"?>
+<p:sld xmlns:a="http://schemas.openxmlformats.org/drawingml/2006/main" xmlns:r="http://schemas.openxmlformats.org/officeDocument/2006/relationships" xmlns:p="http://schemas.openxmlformats.org/presentationml/2006/main">
+  <p:cSld>
+    <p:spTree>
+      <p:nvGrpSpPr>
+        <p:cNvPr id="1" name=""/>
+        <p:cNvGrpSpPr/>
+        <p:nvPr/>
+      </p:nvGrpSpPr>
+      <p:grpSpPr>
+        <a:xfrm>
+          <a:off x="0" y="0"/>
+          <a:ext cx="0" cy="0"/>
+          <a:chOff x="0" y="0"/>
+          <a:chExt cx="0" cy="0"/>
+        </a:xfrm>
+      </p:grpSpPr>
+      <p:sp>
+        <p:nvSpPr>
+          <p:cNvPr id="2" name="Заголовок 1"/>
+          <p:cNvSpPr>
+            <a:spLocks noGrp="1"/>
+          </p:cNvSpPr>
+          <p:nvPr>
+            <p:ph type="title"/>
+          </p:nvPr>
+        </p:nvSpPr>
+        <p:spPr/>
+        <p:txBody>
+          <a:bodyPr/>
+          <a:lstStyle/>
+          <a:p>
+            <a:r>
+              <a:rPr lang="ru-RU" dirty="0"/>
+              <a:t>Иллюстрационные примеры</a:t>
+            </a:r>
+          </a:p>
+        </p:txBody>
+      </p:sp>
+      <p:pic>
+        <p:nvPicPr>
+          <p:cNvPr id="4" name="Рисунок 3"/>
+          <p:cNvPicPr>
+            <a:picLocks noChangeAspect="1"/>
+          </p:cNvPicPr>
+          <p:nvPr/>
+        </p:nvPicPr>
+        <p:blipFill>
+          <a:blip r:embed="rId2"/>
+          <a:stretch>
+            <a:fillRect/>
+          </a:stretch>
+        </p:blipFill>
+        <p:spPr>
+          <a:xfrm>
+            <a:off x="1128345" y="2224453"/>
+            <a:ext cx="4284138" cy="2888548"/>
+          </a:xfrm>
+          <a:prstGeom prst="rect">
+            <a:avLst/>
+          </a:prstGeom>
+        </p:spPr>
+      </p:pic>
+      <p:sp>
+        <p:nvSpPr>
+          <p:cNvPr id="5" name="Прямоугольник 4"/>
+          <p:cNvSpPr/>
+          <p:nvPr/>
+        </p:nvSpPr>
+        <p:spPr>
+          <a:xfrm>
+            <a:off x="-1" y="6112933"/>
+            <a:ext cx="12192001" cy="745067"/>
+          </a:xfrm>
+          <a:prstGeom prst="rect">
+            <a:avLst/>
+          </a:prstGeom>
+          <a:solidFill>
+            <a:srgbClr val="80BF44"/>
+          </a:solidFill>
+          <a:ln>
+            <a:noFill/>
+          </a:ln>
+        </p:spPr>
+        <p:style>
+          <a:lnRef idx="2">
+            <a:schemeClr val="accent1">
+              <a:shade val="50000"/>
+            </a:schemeClr>
+          </a:lnRef>
+          <a:fillRef idx="1">
+            <a:schemeClr val="accent1"/>
+          </a:fillRef>
+          <a:effectRef idx="0">
+            <a:schemeClr val="accent1"/>
+          </a:effectRef>
+          <a:fontRef idx="minor">
+            <a:schemeClr val="lt1"/>
+          </a:fontRef>
+        </p:style>
+        <p:txBody>
+          <a:bodyPr rtlCol="0" anchor="ctr"/>
+          <a:lstStyle/>
+          <a:p>
+            <a:pPr algn="ctr"/>
+            <a:endParaRPr lang="ru-RU"/>
+          </a:p>
+        </p:txBody>
+      </p:sp>
+      <p:sp>
+        <p:nvSpPr>
+          <p:cNvPr id="6" name="Стрелка вправо 5"/>
+          <p:cNvSpPr/>
+          <p:nvPr/>
+        </p:nvSpPr>
+        <p:spPr>
+          <a:xfrm>
+            <a:off x="5488118" y="3316023"/>
+            <a:ext cx="979794" cy="509494"/>
+          </a:xfrm>
+          <a:prstGeom prst="rightArrow">
+            <a:avLst/>
+          </a:prstGeom>
+          <a:solidFill>
+            <a:schemeClr val="bg1"/>
+          </a:solidFill>
+          <a:ln w="28575">
+            <a:solidFill>
+              <a:srgbClr val="92D050"/>
+            </a:solidFill>
+          </a:ln>
+        </p:spPr>
+        <p:style>
+          <a:lnRef idx="2">
+            <a:schemeClr val="accent1">
+              <a:shade val="50000"/>
+            </a:schemeClr>
+          </a:lnRef>
+          <a:fillRef idx="1">
+            <a:schemeClr val="accent1"/>
+          </a:fillRef>
+          <a:effectRef idx="0">
+            <a:schemeClr val="accent1"/>
+          </a:effectRef>
+          <a:fontRef idx="minor">
+            <a:schemeClr val="lt1"/>
+          </a:fontRef>
+        </p:style>
+        <p:txBody>
+          <a:bodyPr rtlCol="0" anchor="ctr"/>
+          <a:lstStyle/>
+          <a:p>
+            <a:pPr algn="ctr"/>
+            <a:endParaRPr lang="ru-RU"/>
+          </a:p>
+        </p:txBody>
+      </p:sp>
+      <p:pic>
+        <p:nvPicPr>
+          <p:cNvPr id="7" name="Рисунок 6"/>
+          <p:cNvPicPr>
+            <a:picLocks noChangeAspect="1"/>
+          </p:cNvPicPr>
+          <p:nvPr/>
+        </p:nvPicPr>
+        <p:blipFill>
+          <a:blip r:embed="rId3"/>
+          <a:stretch>
+            <a:fillRect/>
+          </a:stretch>
+        </p:blipFill>
+        <p:spPr>
+          <a:xfrm>
+            <a:off x="6543547" y="2224453"/>
+            <a:ext cx="4275703" cy="2888548"/>
+          </a:xfrm>
+          <a:prstGeom prst="rect">
+            <a:avLst/>
+          </a:prstGeom>
+        </p:spPr>
+      </p:pic>
+    </p:spTree>
+    <p:extLst>
+      <p:ext uri="{BB962C8B-B14F-4D97-AF65-F5344CB8AC3E}">
+        <p14:creationId xmlns:p14="http://schemas.microsoft.com/office/powerpoint/2010/main" val="814399210"/>
+      </p:ext>
+    </p:extLst>
+  </p:cSld>
+  <p:clrMapOvr>
+    <a:masterClrMapping/>
+  </p:clrMapOvr>
+</p:sld>
+</file>
+
+<file path=ppt/slides/slide9.xml><?xml version="1.0" encoding="utf-8"?>
+<p:sld xmlns:a="http://schemas.openxmlformats.org/drawingml/2006/main" xmlns:r="http://schemas.openxmlformats.org/officeDocument/2006/relationships" xmlns:p="http://schemas.openxmlformats.org/presentationml/2006/main">
+  <p:cSld>
+    <p:spTree>
+      <p:nvGrpSpPr>
+        <p:cNvPr id="1" name=""/>
+        <p:cNvGrpSpPr/>
+        <p:nvPr/>
+      </p:nvGrpSpPr>
+      <p:grpSpPr>
+        <a:xfrm>
+          <a:off x="0" y="0"/>
+          <a:ext cx="0" cy="0"/>
+          <a:chOff x="0" y="0"/>
+          <a:chExt cx="0" cy="0"/>
+        </a:xfrm>
+      </p:grpSpPr>
+      <p:sp>
+        <p:nvSpPr>
+          <p:cNvPr id="2" name="Заголовок 1"/>
+          <p:cNvSpPr>
+            <a:spLocks noGrp="1"/>
+          </p:cNvSpPr>
+          <p:nvPr>
+            <p:ph type="title"/>
+          </p:nvPr>
+        </p:nvSpPr>
+        <p:spPr/>
+        <p:txBody>
+          <a:bodyPr/>
+          <a:lstStyle/>
+          <a:p>
+            <a:r>
+              <a:rPr lang="ru-RU" dirty="0" smtClean="0"/>
+              <a:t>Выводы</a:t>
+            </a:r>
+            <a:endParaRPr lang="ru-RU" dirty="0"/>
+          </a:p>
+        </p:txBody>
+      </p:sp>
+      <p:sp>
+        <p:nvSpPr>
+          <p:cNvPr id="4" name="Прямоугольник 3"/>
+          <p:cNvSpPr/>
+          <p:nvPr/>
+        </p:nvSpPr>
+        <p:spPr>
+          <a:xfrm>
+            <a:off x="1491761" y="2149568"/>
+            <a:ext cx="8760069" cy="2862322"/>
+          </a:xfrm>
+          <a:prstGeom prst="rect">
+            <a:avLst/>
+          </a:prstGeom>
+        </p:spPr>
+        <p:txBody>
+          <a:bodyPr wrap="square">
+            <a:spAutoFit/>
+          </a:bodyPr>
+          <a:lstStyle/>
+          <a:p>
+            <a:pPr lvl="0"/>
+            <a:r>
+              <a:rPr lang="ru-RU" sz="2000" dirty="0" smtClean="0"/>
+              <a:t>Изучил методологию </a:t>
+            </a:r>
+            <a:r>
+              <a:rPr lang="ru-RU" sz="2000" dirty="0"/>
+              <a:t>по исследованию данных CRISP-DM </a:t>
+            </a:r>
+          </a:p>
+          <a:p>
+            <a:pPr lvl="0"/>
+            <a:endParaRPr lang="ru-RU" sz="2000" dirty="0" smtClean="0"/>
+          </a:p>
+          <a:p>
+            <a:pPr lvl="0"/>
+            <a:r>
+              <a:rPr lang="ru-RU" sz="2000" dirty="0" smtClean="0"/>
+              <a:t>Использовал </a:t>
+            </a:r>
+            <a:r>
+              <a:rPr lang="ru-RU" sz="2000" dirty="0"/>
+              <a:t>методы выявления и обработки ошибок в </a:t>
+            </a:r>
+            <a:r>
+              <a:rPr lang="ru-RU" sz="2000" dirty="0" smtClean="0"/>
+              <a:t>данных</a:t>
+            </a:r>
+            <a:r>
+              <a:rPr lang="en-US" sz="2000" dirty="0" smtClean="0"/>
+              <a:t>:</a:t>
+            </a:r>
+            <a:r>
+              <a:rPr lang="ru-RU" sz="2000" dirty="0"/>
+              <a:t> оцифровал </a:t>
+            </a:r>
+            <a:r>
+              <a:rPr lang="ru-RU" sz="2000" dirty="0" smtClean="0"/>
+              <a:t>категориальные переменные, проверил наличие пустых и аномальный значений, исследовал данные на наличие выбросов</a:t>
+            </a:r>
+          </a:p>
+          <a:p>
+            <a:pPr lvl="0"/>
+            <a:endParaRPr lang="ru-RU" sz="2000" dirty="0"/>
+          </a:p>
+          <a:p>
+            <a:pPr lvl="0"/>
+            <a:r>
+              <a:rPr lang="ru-RU" sz="2000" dirty="0" smtClean="0"/>
+              <a:t>В качестве критериев отбора признаков выбрал отбор по корреляции признака с целевой переменной и его </a:t>
+            </a:r>
+            <a:r>
+              <a:rPr lang="en-US" sz="2000" dirty="0" smtClean="0"/>
+              <a:t>information gain</a:t>
+            </a:r>
+            <a:r>
+              <a:rPr lang="ru-RU" sz="2000" dirty="0" smtClean="0"/>
+              <a:t>, что позволило определить наиболее значимые параметры. </a:t>
+            </a:r>
+            <a:endParaRPr lang="ru-RU" sz="2000" dirty="0"/>
+          </a:p>
+        </p:txBody>
+      </p:sp>
+      <p:sp>
+        <p:nvSpPr>
+          <p:cNvPr id="5" name="Прямоугольник 4"/>
+          <p:cNvSpPr/>
+          <p:nvPr/>
+        </p:nvSpPr>
+        <p:spPr>
+          <a:xfrm>
+            <a:off x="-1" y="6112933"/>
+            <a:ext cx="12192001" cy="745067"/>
+          </a:xfrm>
+          <a:prstGeom prst="rect">
+            <a:avLst/>
+          </a:prstGeom>
+          <a:solidFill>
+            <a:srgbClr val="80BF44"/>
+          </a:solidFill>
+          <a:ln>
+            <a:noFill/>
+          </a:ln>
+        </p:spPr>
+        <p:style>
+          <a:lnRef idx="2">
+            <a:schemeClr val="accent1">
+              <a:shade val="50000"/>
+            </a:schemeClr>
+          </a:lnRef>
+          <a:fillRef idx="1">
+            <a:schemeClr val="accent1"/>
+          </a:fillRef>
+          <a:effectRef idx="0">
+            <a:schemeClr val="accent1"/>
+          </a:effectRef>
+          <a:fontRef idx="minor">
+            <a:schemeClr val="lt1"/>
+          </a:fontRef>
+        </p:style>
+        <p:txBody>
+          <a:bodyPr rtlCol="0" anchor="ctr"/>
+          <a:lstStyle/>
+          <a:p>
+            <a:pPr algn="ctr"/>
+            <a:endParaRPr lang="ru-RU"/>
+          </a:p>
+        </p:txBody>
+      </p:sp>
+    </p:spTree>
+    <p:extLst>
+      <p:ext uri="{BB962C8B-B14F-4D97-AF65-F5344CB8AC3E}">
+        <p14:creationId xmlns:p14="http://schemas.microsoft.com/office/powerpoint/2010/main" val="3699075848"/>
       </p:ext>
     </p:extLst>
   </p:cSld>
